--- a/February/0207/演示文稿1.pptx
+++ b/February/0207/演示文稿1.pptx
@@ -263,7 +263,7 @@
           <a:p>
             <a:fld id="{538B2C95-CE49-4AEB-AA1B-CF24826B3C4B}" type="datetimeFigureOut">
               <a:rPr lang="zh-CN" altLang="en-US" smtClean="0"/>
-              <a:t>2024/2/10</a:t>
+              <a:t>2024/3/5</a:t>
             </a:fld>
             <a:endParaRPr lang="zh-CN" altLang="en-US"/>
           </a:p>
@@ -461,7 +461,7 @@
           <a:p>
             <a:fld id="{538B2C95-CE49-4AEB-AA1B-CF24826B3C4B}" type="datetimeFigureOut">
               <a:rPr lang="zh-CN" altLang="en-US" smtClean="0"/>
-              <a:t>2024/2/10</a:t>
+              <a:t>2024/3/5</a:t>
             </a:fld>
             <a:endParaRPr lang="zh-CN" altLang="en-US"/>
           </a:p>
@@ -669,7 +669,7 @@
           <a:p>
             <a:fld id="{538B2C95-CE49-4AEB-AA1B-CF24826B3C4B}" type="datetimeFigureOut">
               <a:rPr lang="zh-CN" altLang="en-US" smtClean="0"/>
-              <a:t>2024/2/10</a:t>
+              <a:t>2024/3/5</a:t>
             </a:fld>
             <a:endParaRPr lang="zh-CN" altLang="en-US"/>
           </a:p>
@@ -867,7 +867,7 @@
           <a:p>
             <a:fld id="{538B2C95-CE49-4AEB-AA1B-CF24826B3C4B}" type="datetimeFigureOut">
               <a:rPr lang="zh-CN" altLang="en-US" smtClean="0"/>
-              <a:t>2024/2/10</a:t>
+              <a:t>2024/3/5</a:t>
             </a:fld>
             <a:endParaRPr lang="zh-CN" altLang="en-US"/>
           </a:p>
@@ -1142,7 +1142,7 @@
           <a:p>
             <a:fld id="{538B2C95-CE49-4AEB-AA1B-CF24826B3C4B}" type="datetimeFigureOut">
               <a:rPr lang="zh-CN" altLang="en-US" smtClean="0"/>
-              <a:t>2024/2/10</a:t>
+              <a:t>2024/3/5</a:t>
             </a:fld>
             <a:endParaRPr lang="zh-CN" altLang="en-US"/>
           </a:p>
@@ -1407,7 +1407,7 @@
           <a:p>
             <a:fld id="{538B2C95-CE49-4AEB-AA1B-CF24826B3C4B}" type="datetimeFigureOut">
               <a:rPr lang="zh-CN" altLang="en-US" smtClean="0"/>
-              <a:t>2024/2/10</a:t>
+              <a:t>2024/3/5</a:t>
             </a:fld>
             <a:endParaRPr lang="zh-CN" altLang="en-US"/>
           </a:p>
@@ -1819,7 +1819,7 @@
           <a:p>
             <a:fld id="{538B2C95-CE49-4AEB-AA1B-CF24826B3C4B}" type="datetimeFigureOut">
               <a:rPr lang="zh-CN" altLang="en-US" smtClean="0"/>
-              <a:t>2024/2/10</a:t>
+              <a:t>2024/3/5</a:t>
             </a:fld>
             <a:endParaRPr lang="zh-CN" altLang="en-US"/>
           </a:p>
@@ -1960,7 +1960,7 @@
           <a:p>
             <a:fld id="{538B2C95-CE49-4AEB-AA1B-CF24826B3C4B}" type="datetimeFigureOut">
               <a:rPr lang="zh-CN" altLang="en-US" smtClean="0"/>
-              <a:t>2024/2/10</a:t>
+              <a:t>2024/3/5</a:t>
             </a:fld>
             <a:endParaRPr lang="zh-CN" altLang="en-US"/>
           </a:p>
@@ -2073,7 +2073,7 @@
           <a:p>
             <a:fld id="{538B2C95-CE49-4AEB-AA1B-CF24826B3C4B}" type="datetimeFigureOut">
               <a:rPr lang="zh-CN" altLang="en-US" smtClean="0"/>
-              <a:t>2024/2/10</a:t>
+              <a:t>2024/3/5</a:t>
             </a:fld>
             <a:endParaRPr lang="zh-CN" altLang="en-US"/>
           </a:p>
@@ -2384,7 +2384,7 @@
           <a:p>
             <a:fld id="{538B2C95-CE49-4AEB-AA1B-CF24826B3C4B}" type="datetimeFigureOut">
               <a:rPr lang="zh-CN" altLang="en-US" smtClean="0"/>
-              <a:t>2024/2/10</a:t>
+              <a:t>2024/3/5</a:t>
             </a:fld>
             <a:endParaRPr lang="zh-CN" altLang="en-US"/>
           </a:p>
@@ -2672,7 +2672,7 @@
           <a:p>
             <a:fld id="{538B2C95-CE49-4AEB-AA1B-CF24826B3C4B}" type="datetimeFigureOut">
               <a:rPr lang="zh-CN" altLang="en-US" smtClean="0"/>
-              <a:t>2024/2/10</a:t>
+              <a:t>2024/3/5</a:t>
             </a:fld>
             <a:endParaRPr lang="zh-CN" altLang="en-US"/>
           </a:p>
@@ -2913,7 +2913,7 @@
           <a:p>
             <a:fld id="{538B2C95-CE49-4AEB-AA1B-CF24826B3C4B}" type="datetimeFigureOut">
               <a:rPr lang="zh-CN" altLang="en-US" smtClean="0"/>
-              <a:t>2024/2/10</a:t>
+              <a:t>2024/3/5</a:t>
             </a:fld>
             <a:endParaRPr lang="zh-CN" altLang="en-US"/>
           </a:p>
@@ -4827,8 +4827,8 @@
         </p:nvSpPr>
         <p:spPr>
           <a:xfrm>
-            <a:off x="477983" y="3125321"/>
-            <a:ext cx="11276862" cy="3517341"/>
+            <a:off x="518579" y="3182798"/>
+            <a:ext cx="11200788" cy="3034877"/>
           </a:xfrm>
           <a:prstGeom prst="rect">
             <a:avLst/>
@@ -4864,7 +4864,11 @@
           <a:lstStyle/>
           <a:p>
             <a:pPr algn="ctr"/>
-            <a:endParaRPr lang="zh-CN" altLang="en-US"/>
+            <a:endParaRPr lang="zh-CN" altLang="en-US">
+              <a:latin typeface="Arial" panose="020B0604020202020204" pitchFamily="34" charset="0"/>
+              <a:ea typeface="Meiryo" panose="020B0604030504040204" pitchFamily="34" charset="-128"/>
+              <a:cs typeface="Arial" panose="020B0604020202020204" pitchFamily="34" charset="0"/>
+            </a:endParaRPr>
           </a:p>
         </p:txBody>
       </p:sp>
@@ -4882,8 +4886,8 @@
         </p:nvSpPr>
         <p:spPr>
           <a:xfrm>
-            <a:off x="1018307" y="917804"/>
-            <a:ext cx="3101980" cy="401793"/>
+            <a:off x="520205" y="1143569"/>
+            <a:ext cx="2528781" cy="330911"/>
           </a:xfrm>
           <a:prstGeom prst="rect">
             <a:avLst/>
@@ -4915,501 +4919,499 @@
           <a:lstStyle/>
           <a:p>
             <a:pPr algn="ctr"/>
-            <a:endParaRPr lang="zh-CN" altLang="en-US"/>
+            <a:endParaRPr lang="zh-CN" altLang="en-US">
+              <a:latin typeface="Arial" panose="020B0604020202020204" pitchFamily="34" charset="0"/>
+              <a:ea typeface="Meiryo" panose="020B0604030504040204" pitchFamily="34" charset="-128"/>
+              <a:cs typeface="Arial" panose="020B0604020202020204" pitchFamily="34" charset="0"/>
+            </a:endParaRPr>
           </a:p>
         </p:txBody>
       </p:sp>
-      <p:grpSp>
-        <p:nvGrpSpPr>
-          <p:cNvPr id="23" name="组合 22">
+      <p:sp>
+        <p:nvSpPr>
+          <p:cNvPr id="4" name="矩形: 剪去单角 3">
             <a:extLst>
               <a:ext uri="{FF2B5EF4-FFF2-40B4-BE49-F238E27FC236}">
-                <a16:creationId xmlns:a16="http://schemas.microsoft.com/office/drawing/2014/main" id="{25B579A0-20E4-5370-D601-4A7888C757EE}"/>
+                <a16:creationId xmlns:a16="http://schemas.microsoft.com/office/drawing/2014/main" id="{0F93E3F7-AE6C-655F-2BA1-B3639D42825C}"/>
               </a:ext>
             </a:extLst>
           </p:cNvPr>
-          <p:cNvGrpSpPr/>
+          <p:cNvSpPr/>
           <p:nvPr/>
-        </p:nvGrpSpPr>
-        <p:grpSpPr>
+        </p:nvSpPr>
+        <p:spPr>
           <a:xfrm>
-            <a:off x="757213" y="4484084"/>
-            <a:ext cx="1634507" cy="1984491"/>
-            <a:chOff x="1134191" y="1977242"/>
-            <a:chExt cx="1634507" cy="1984491"/>
+            <a:off x="1361490" y="4549644"/>
+            <a:ext cx="1332475" cy="1519303"/>
           </a:xfrm>
-        </p:grpSpPr>
-        <p:sp>
-          <p:nvSpPr>
-            <p:cNvPr id="4" name="矩形: 剪去单角 3">
-              <a:extLst>
-                <a:ext uri="{FF2B5EF4-FFF2-40B4-BE49-F238E27FC236}">
-                  <a16:creationId xmlns:a16="http://schemas.microsoft.com/office/drawing/2014/main" id="{0F93E3F7-AE6C-655F-2BA1-B3639D42825C}"/>
-                </a:ext>
-              </a:extLst>
-            </p:cNvPr>
-            <p:cNvSpPr/>
-            <p:nvPr/>
-          </p:nvSpPr>
-          <p:spPr>
-            <a:xfrm>
-              <a:off x="1134191" y="2084392"/>
-              <a:ext cx="1634507" cy="1844743"/>
-            </a:xfrm>
-            <a:prstGeom prst="snip1Rect">
-              <a:avLst/>
-            </a:prstGeom>
-            <a:ln w="28575">
-              <a:solidFill>
-                <a:schemeClr val="tx1"/>
-              </a:solidFill>
-            </a:ln>
-          </p:spPr>
-          <p:style>
-            <a:lnRef idx="2">
-              <a:schemeClr val="accent2"/>
-            </a:lnRef>
-            <a:fillRef idx="1">
-              <a:schemeClr val="lt1"/>
-            </a:fillRef>
-            <a:effectRef idx="0">
-              <a:schemeClr val="accent2"/>
-            </a:effectRef>
-            <a:fontRef idx="minor">
-              <a:schemeClr val="dk1"/>
-            </a:fontRef>
-          </p:style>
-          <p:txBody>
-            <a:bodyPr rtlCol="0" anchor="ctr"/>
-            <a:lstStyle/>
-            <a:p>
-              <a:pPr algn="ctr"/>
-              <a:endParaRPr lang="zh-CN" altLang="en-US">
-                <a:latin typeface="Arial" panose="020B0604020202020204" pitchFamily="34" charset="0"/>
-                <a:cs typeface="Arial" panose="020B0604020202020204" pitchFamily="34" charset="0"/>
-              </a:endParaRPr>
-            </a:p>
-          </p:txBody>
-        </p:sp>
-        <p:sp>
-          <p:nvSpPr>
-            <p:cNvPr id="5" name="矩形 4">
-              <a:extLst>
-                <a:ext uri="{FF2B5EF4-FFF2-40B4-BE49-F238E27FC236}">
-                  <a16:creationId xmlns:a16="http://schemas.microsoft.com/office/drawing/2014/main" id="{9ECE69C9-2A3A-4960-7F66-8154DC6A37EC}"/>
-                </a:ext>
-              </a:extLst>
-            </p:cNvPr>
-            <p:cNvSpPr/>
-            <p:nvPr/>
-          </p:nvSpPr>
-          <p:spPr>
-            <a:xfrm>
-              <a:off x="1312224" y="1977242"/>
-              <a:ext cx="1062842" cy="314696"/>
-            </a:xfrm>
-            <a:prstGeom prst="rect">
-              <a:avLst/>
-            </a:prstGeom>
+          <a:prstGeom prst="snip1Rect">
+            <a:avLst/>
+          </a:prstGeom>
+          <a:ln w="28575">
             <a:solidFill>
-              <a:schemeClr val="bg1"/>
+              <a:schemeClr val="tx1"/>
             </a:solidFill>
-            <a:ln w="28575">
-              <a:solidFill>
-                <a:schemeClr val="tx1"/>
-              </a:solidFill>
-            </a:ln>
-          </p:spPr>
-          <p:style>
-            <a:lnRef idx="2">
-              <a:schemeClr val="accent1">
-                <a:shade val="15000"/>
-              </a:schemeClr>
-            </a:lnRef>
-            <a:fillRef idx="1">
-              <a:schemeClr val="accent1"/>
-            </a:fillRef>
-            <a:effectRef idx="0">
-              <a:schemeClr val="accent1"/>
-            </a:effectRef>
-            <a:fontRef idx="minor">
-              <a:schemeClr val="lt1"/>
-            </a:fontRef>
-          </p:style>
-          <p:txBody>
-            <a:bodyPr rtlCol="0" anchor="ctr"/>
-            <a:lstStyle/>
-            <a:p>
-              <a:pPr algn="ctr"/>
-              <a:r>
-                <a:rPr lang="en-US" altLang="zh-CN">
-                  <a:solidFill>
-                    <a:schemeClr val="tx1"/>
-                  </a:solidFill>
-                  <a:latin typeface="Arial" panose="020B0604020202020204" pitchFamily="34" charset="0"/>
-                  <a:cs typeface="Arial" panose="020B0604020202020204" pitchFamily="34" charset="0"/>
-                </a:rPr>
-                <a:t>Schema</a:t>
-              </a:r>
-              <a:endParaRPr lang="zh-CN" altLang="en-US">
+          </a:ln>
+        </p:spPr>
+        <p:style>
+          <a:lnRef idx="2">
+            <a:schemeClr val="accent2"/>
+          </a:lnRef>
+          <a:fillRef idx="1">
+            <a:schemeClr val="lt1"/>
+          </a:fillRef>
+          <a:effectRef idx="0">
+            <a:schemeClr val="accent2"/>
+          </a:effectRef>
+          <a:fontRef idx="minor">
+            <a:schemeClr val="dk1"/>
+          </a:fontRef>
+        </p:style>
+        <p:txBody>
+          <a:bodyPr rtlCol="0" anchor="ctr"/>
+          <a:lstStyle/>
+          <a:p>
+            <a:pPr algn="ctr"/>
+            <a:endParaRPr lang="zh-CN" altLang="en-US">
+              <a:latin typeface="Arial" panose="020B0604020202020204" pitchFamily="34" charset="0"/>
+              <a:ea typeface="Meiryo" panose="020B0604030504040204" pitchFamily="34" charset="-128"/>
+              <a:cs typeface="Arial" panose="020B0604020202020204" pitchFamily="34" charset="0"/>
+            </a:endParaRPr>
+          </a:p>
+        </p:txBody>
+      </p:sp>
+      <p:sp>
+        <p:nvSpPr>
+          <p:cNvPr id="5" name="矩形 4">
+            <a:extLst>
+              <a:ext uri="{FF2B5EF4-FFF2-40B4-BE49-F238E27FC236}">
+                <a16:creationId xmlns:a16="http://schemas.microsoft.com/office/drawing/2014/main" id="{9ECE69C9-2A3A-4960-7F66-8154DC6A37EC}"/>
+              </a:ext>
+            </a:extLst>
+          </p:cNvPr>
+          <p:cNvSpPr/>
+          <p:nvPr/>
+        </p:nvSpPr>
+        <p:spPr>
+          <a:xfrm>
+            <a:off x="1506625" y="4461397"/>
+            <a:ext cx="866445" cy="259179"/>
+          </a:xfrm>
+          <a:prstGeom prst="rect">
+            <a:avLst/>
+          </a:prstGeom>
+          <a:solidFill>
+            <a:schemeClr val="bg1"/>
+          </a:solidFill>
+          <a:ln w="28575">
+            <a:solidFill>
+              <a:schemeClr val="tx1"/>
+            </a:solidFill>
+          </a:ln>
+        </p:spPr>
+        <p:style>
+          <a:lnRef idx="2">
+            <a:schemeClr val="accent1">
+              <a:shade val="15000"/>
+            </a:schemeClr>
+          </a:lnRef>
+          <a:fillRef idx="1">
+            <a:schemeClr val="accent1"/>
+          </a:fillRef>
+          <a:effectRef idx="0">
+            <a:schemeClr val="accent1"/>
+          </a:effectRef>
+          <a:fontRef idx="minor">
+            <a:schemeClr val="lt1"/>
+          </a:fontRef>
+        </p:style>
+        <p:txBody>
+          <a:bodyPr rtlCol="0" anchor="ctr"/>
+          <a:lstStyle/>
+          <a:p>
+            <a:pPr algn="ctr"/>
+            <a:r>
+              <a:rPr lang="en-US" altLang="zh-CN" sz="1400">
                 <a:solidFill>
                   <a:schemeClr val="tx1"/>
                 </a:solidFill>
                 <a:latin typeface="Arial" panose="020B0604020202020204" pitchFamily="34" charset="0"/>
+                <a:ea typeface="Meiryo" panose="020B0604030504040204" pitchFamily="34" charset="-128"/>
                 <a:cs typeface="Arial" panose="020B0604020202020204" pitchFamily="34" charset="0"/>
-              </a:endParaRPr>
-            </a:p>
-          </p:txBody>
-        </p:sp>
-        <p:sp>
-          <p:nvSpPr>
-            <p:cNvPr id="20" name="矩形: 剪去单角 19">
-              <a:extLst>
-                <a:ext uri="{FF2B5EF4-FFF2-40B4-BE49-F238E27FC236}">
-                  <a16:creationId xmlns:a16="http://schemas.microsoft.com/office/drawing/2014/main" id="{40AD5C6F-2D92-BD2B-81C8-D2F5B407DF40}"/>
-                </a:ext>
-              </a:extLst>
-            </p:cNvPr>
-            <p:cNvSpPr/>
-            <p:nvPr/>
-          </p:nvSpPr>
-          <p:spPr>
-            <a:xfrm>
-              <a:off x="1480311" y="3459985"/>
-              <a:ext cx="918852" cy="264833"/>
-            </a:xfrm>
-            <a:prstGeom prst="snip1Rect">
-              <a:avLst/>
-            </a:prstGeom>
-            <a:solidFill>
-              <a:schemeClr val="bg1"/>
-            </a:solidFill>
-            <a:ln w="19050">
+              </a:rPr>
+              <a:t>Schema</a:t>
+            </a:r>
+            <a:endParaRPr lang="zh-CN" altLang="en-US" sz="1400">
               <a:solidFill>
                 <a:schemeClr val="tx1"/>
               </a:solidFill>
-            </a:ln>
-          </p:spPr>
-          <p:style>
-            <a:lnRef idx="2">
-              <a:schemeClr val="accent1">
-                <a:shade val="15000"/>
-              </a:schemeClr>
-            </a:lnRef>
-            <a:fillRef idx="1">
-              <a:schemeClr val="accent1"/>
-            </a:fillRef>
-            <a:effectRef idx="0">
-              <a:schemeClr val="accent1"/>
-            </a:effectRef>
-            <a:fontRef idx="minor">
-              <a:schemeClr val="lt1"/>
-            </a:fontRef>
-          </p:style>
-          <p:txBody>
-            <a:bodyPr rtlCol="0" anchor="ctr"/>
-            <a:lstStyle/>
-            <a:p>
-              <a:pPr algn="ctr"/>
-              <a:r>
-                <a:rPr lang="en-US" altLang="zh-CN" sz="1200">
-                  <a:solidFill>
-                    <a:schemeClr val="tx1"/>
-                  </a:solidFill>
-                  <a:latin typeface="Arial" panose="020B0604020202020204" pitchFamily="34" charset="0"/>
-                  <a:cs typeface="Arial" panose="020B0604020202020204" pitchFamily="34" charset="0"/>
-                </a:rPr>
-                <a:t>add</a:t>
-              </a:r>
-              <a:endParaRPr lang="zh-CN" altLang="en-US" sz="1200">
+              <a:latin typeface="Arial" panose="020B0604020202020204" pitchFamily="34" charset="0"/>
+              <a:ea typeface="Meiryo" panose="020B0604030504040204" pitchFamily="34" charset="-128"/>
+              <a:cs typeface="Arial" panose="020B0604020202020204" pitchFamily="34" charset="0"/>
+            </a:endParaRPr>
+          </a:p>
+        </p:txBody>
+      </p:sp>
+      <p:sp>
+        <p:nvSpPr>
+          <p:cNvPr id="20" name="矩形: 剪去单角 19">
+            <a:extLst>
+              <a:ext uri="{FF2B5EF4-FFF2-40B4-BE49-F238E27FC236}">
+                <a16:creationId xmlns:a16="http://schemas.microsoft.com/office/drawing/2014/main" id="{40AD5C6F-2D92-BD2B-81C8-D2F5B407DF40}"/>
+              </a:ext>
+            </a:extLst>
+          </p:cNvPr>
+          <p:cNvSpPr/>
+          <p:nvPr/>
+        </p:nvSpPr>
+        <p:spPr>
+          <a:xfrm>
+            <a:off x="1643652" y="5682562"/>
+            <a:ext cx="749062" cy="218113"/>
+          </a:xfrm>
+          <a:prstGeom prst="snip1Rect">
+            <a:avLst/>
+          </a:prstGeom>
+          <a:solidFill>
+            <a:schemeClr val="bg1"/>
+          </a:solidFill>
+          <a:ln w="19050">
+            <a:solidFill>
+              <a:schemeClr val="tx1"/>
+            </a:solidFill>
+          </a:ln>
+        </p:spPr>
+        <p:style>
+          <a:lnRef idx="2">
+            <a:schemeClr val="accent1">
+              <a:shade val="15000"/>
+            </a:schemeClr>
+          </a:lnRef>
+          <a:fillRef idx="1">
+            <a:schemeClr val="accent1"/>
+          </a:fillRef>
+          <a:effectRef idx="0">
+            <a:schemeClr val="accent1"/>
+          </a:effectRef>
+          <a:fontRef idx="minor">
+            <a:schemeClr val="lt1"/>
+          </a:fontRef>
+        </p:style>
+        <p:txBody>
+          <a:bodyPr rtlCol="0" anchor="ctr"/>
+          <a:lstStyle/>
+          <a:p>
+            <a:pPr algn="ctr"/>
+            <a:r>
+              <a:rPr lang="en-US" altLang="zh-CN" sz="1200">
                 <a:solidFill>
                   <a:schemeClr val="tx1"/>
                 </a:solidFill>
                 <a:latin typeface="Arial" panose="020B0604020202020204" pitchFamily="34" charset="0"/>
+                <a:ea typeface="Meiryo" panose="020B0604030504040204" pitchFamily="34" charset="-128"/>
                 <a:cs typeface="Arial" panose="020B0604020202020204" pitchFamily="34" charset="0"/>
-              </a:endParaRPr>
-            </a:p>
-          </p:txBody>
-        </p:sp>
-        <p:sp>
-          <p:nvSpPr>
-            <p:cNvPr id="19" name="矩形: 剪去单角 18">
-              <a:extLst>
-                <a:ext uri="{FF2B5EF4-FFF2-40B4-BE49-F238E27FC236}">
-                  <a16:creationId xmlns:a16="http://schemas.microsoft.com/office/drawing/2014/main" id="{CBB55104-7DA1-48BC-9ADD-E86ECB87FEEF}"/>
-                </a:ext>
-              </a:extLst>
-            </p:cNvPr>
-            <p:cNvSpPr/>
-            <p:nvPr/>
-          </p:nvSpPr>
-          <p:spPr>
-            <a:xfrm>
-              <a:off x="1384219" y="3233516"/>
-              <a:ext cx="918852" cy="264833"/>
-            </a:xfrm>
-            <a:prstGeom prst="snip1Rect">
-              <a:avLst/>
-            </a:prstGeom>
-            <a:solidFill>
-              <a:schemeClr val="bg1"/>
-            </a:solidFill>
-            <a:ln w="19050">
+              </a:rPr>
+              <a:t>add</a:t>
+            </a:r>
+            <a:endParaRPr lang="zh-CN" altLang="en-US" sz="1200">
               <a:solidFill>
                 <a:schemeClr val="tx1"/>
               </a:solidFill>
-            </a:ln>
-          </p:spPr>
-          <p:style>
-            <a:lnRef idx="2">
-              <a:schemeClr val="accent1">
-                <a:shade val="15000"/>
-              </a:schemeClr>
-            </a:lnRef>
-            <a:fillRef idx="1">
-              <a:schemeClr val="accent1"/>
-            </a:fillRef>
-            <a:effectRef idx="0">
-              <a:schemeClr val="accent1"/>
-            </a:effectRef>
-            <a:fontRef idx="minor">
-              <a:schemeClr val="lt1"/>
-            </a:fontRef>
-          </p:style>
-          <p:txBody>
-            <a:bodyPr rtlCol="0" anchor="ctr"/>
-            <a:lstStyle/>
-            <a:p>
-              <a:pPr algn="ctr"/>
-              <a:r>
-                <a:rPr lang="en-US" altLang="zh-CN" sz="1200">
-                  <a:solidFill>
-                    <a:schemeClr val="tx1"/>
-                  </a:solidFill>
-                  <a:latin typeface="Arial" panose="020B0604020202020204" pitchFamily="34" charset="0"/>
-                  <a:cs typeface="Arial" panose="020B0604020202020204" pitchFamily="34" charset="0"/>
-                </a:rPr>
-                <a:t>store</a:t>
-              </a:r>
-              <a:endParaRPr lang="zh-CN" altLang="en-US" sz="1200">
+              <a:latin typeface="Arial" panose="020B0604020202020204" pitchFamily="34" charset="0"/>
+              <a:ea typeface="Meiryo" panose="020B0604030504040204" pitchFamily="34" charset="-128"/>
+              <a:cs typeface="Arial" panose="020B0604020202020204" pitchFamily="34" charset="0"/>
+            </a:endParaRPr>
+          </a:p>
+        </p:txBody>
+      </p:sp>
+      <p:sp>
+        <p:nvSpPr>
+          <p:cNvPr id="19" name="矩形: 剪去单角 18">
+            <a:extLst>
+              <a:ext uri="{FF2B5EF4-FFF2-40B4-BE49-F238E27FC236}">
+                <a16:creationId xmlns:a16="http://schemas.microsoft.com/office/drawing/2014/main" id="{CBB55104-7DA1-48BC-9ADD-E86ECB87FEEF}"/>
+              </a:ext>
+            </a:extLst>
+          </p:cNvPr>
+          <p:cNvSpPr/>
+          <p:nvPr/>
+        </p:nvSpPr>
+        <p:spPr>
+          <a:xfrm>
+            <a:off x="1565317" y="5496046"/>
+            <a:ext cx="749062" cy="218113"/>
+          </a:xfrm>
+          <a:prstGeom prst="snip1Rect">
+            <a:avLst/>
+          </a:prstGeom>
+          <a:solidFill>
+            <a:schemeClr val="bg1"/>
+          </a:solidFill>
+          <a:ln w="19050">
+            <a:solidFill>
+              <a:schemeClr val="tx1"/>
+            </a:solidFill>
+          </a:ln>
+        </p:spPr>
+        <p:style>
+          <a:lnRef idx="2">
+            <a:schemeClr val="accent1">
+              <a:shade val="15000"/>
+            </a:schemeClr>
+          </a:lnRef>
+          <a:fillRef idx="1">
+            <a:schemeClr val="accent1"/>
+          </a:fillRef>
+          <a:effectRef idx="0">
+            <a:schemeClr val="accent1"/>
+          </a:effectRef>
+          <a:fontRef idx="minor">
+            <a:schemeClr val="lt1"/>
+          </a:fontRef>
+        </p:style>
+        <p:txBody>
+          <a:bodyPr rtlCol="0" anchor="ctr"/>
+          <a:lstStyle/>
+          <a:p>
+            <a:pPr algn="ctr"/>
+            <a:r>
+              <a:rPr lang="en-US" altLang="zh-CN" sz="1200">
                 <a:solidFill>
                   <a:schemeClr val="tx1"/>
                 </a:solidFill>
                 <a:latin typeface="Arial" panose="020B0604020202020204" pitchFamily="34" charset="0"/>
+                <a:ea typeface="Meiryo" panose="020B0604030504040204" pitchFamily="34" charset="-128"/>
                 <a:cs typeface="Arial" panose="020B0604020202020204" pitchFamily="34" charset="0"/>
-              </a:endParaRPr>
-            </a:p>
-          </p:txBody>
-        </p:sp>
-        <p:sp>
-          <p:nvSpPr>
-            <p:cNvPr id="7" name="矩形: 剪去单角 6">
-              <a:extLst>
-                <a:ext uri="{FF2B5EF4-FFF2-40B4-BE49-F238E27FC236}">
-                  <a16:creationId xmlns:a16="http://schemas.microsoft.com/office/drawing/2014/main" id="{A380F1AE-F3FA-24FA-F5CD-43D27B678D67}"/>
-                </a:ext>
-              </a:extLst>
-            </p:cNvPr>
-            <p:cNvSpPr/>
-            <p:nvPr/>
-          </p:nvSpPr>
-          <p:spPr>
-            <a:xfrm>
-              <a:off x="1310547" y="3000766"/>
-              <a:ext cx="918852" cy="264833"/>
-            </a:xfrm>
-            <a:prstGeom prst="snip1Rect">
-              <a:avLst/>
-            </a:prstGeom>
-            <a:solidFill>
-              <a:schemeClr val="bg1"/>
-            </a:solidFill>
-            <a:ln w="19050">
+              </a:rPr>
+              <a:t>store</a:t>
+            </a:r>
+            <a:endParaRPr lang="zh-CN" altLang="en-US" sz="1200">
               <a:solidFill>
                 <a:schemeClr val="tx1"/>
               </a:solidFill>
-            </a:ln>
-          </p:spPr>
-          <p:style>
-            <a:lnRef idx="2">
-              <a:schemeClr val="accent1">
-                <a:shade val="15000"/>
-              </a:schemeClr>
-            </a:lnRef>
-            <a:fillRef idx="1">
-              <a:schemeClr val="accent1"/>
-            </a:fillRef>
-            <a:effectRef idx="0">
-              <a:schemeClr val="accent1"/>
-            </a:effectRef>
-            <a:fontRef idx="minor">
-              <a:schemeClr val="lt1"/>
-            </a:fontRef>
-          </p:style>
-          <p:txBody>
-            <a:bodyPr rtlCol="0" anchor="ctr"/>
-            <a:lstStyle/>
-            <a:p>
-              <a:pPr algn="ctr"/>
-              <a:r>
-                <a:rPr lang="en-US" altLang="zh-CN" sz="1200">
-                  <a:solidFill>
-                    <a:schemeClr val="tx1"/>
-                  </a:solidFill>
-                  <a:latin typeface="Arial" panose="020B0604020202020204" pitchFamily="34" charset="0"/>
-                  <a:cs typeface="Arial" panose="020B0604020202020204" pitchFamily="34" charset="0"/>
-                </a:rPr>
-                <a:t>load</a:t>
-              </a:r>
-              <a:endParaRPr lang="zh-CN" altLang="en-US" sz="1200">
+              <a:latin typeface="Arial" panose="020B0604020202020204" pitchFamily="34" charset="0"/>
+              <a:ea typeface="Meiryo" panose="020B0604030504040204" pitchFamily="34" charset="-128"/>
+              <a:cs typeface="Arial" panose="020B0604020202020204" pitchFamily="34" charset="0"/>
+            </a:endParaRPr>
+          </a:p>
+        </p:txBody>
+      </p:sp>
+      <p:sp>
+        <p:nvSpPr>
+          <p:cNvPr id="7" name="矩形: 剪去单角 6">
+            <a:extLst>
+              <a:ext uri="{FF2B5EF4-FFF2-40B4-BE49-F238E27FC236}">
+                <a16:creationId xmlns:a16="http://schemas.microsoft.com/office/drawing/2014/main" id="{A380F1AE-F3FA-24FA-F5CD-43D27B678D67}"/>
+              </a:ext>
+            </a:extLst>
+          </p:cNvPr>
+          <p:cNvSpPr/>
+          <p:nvPr/>
+        </p:nvSpPr>
+        <p:spPr>
+          <a:xfrm>
+            <a:off x="1505258" y="5304356"/>
+            <a:ext cx="749062" cy="218113"/>
+          </a:xfrm>
+          <a:prstGeom prst="snip1Rect">
+            <a:avLst/>
+          </a:prstGeom>
+          <a:solidFill>
+            <a:schemeClr val="bg1"/>
+          </a:solidFill>
+          <a:ln w="19050">
+            <a:solidFill>
+              <a:schemeClr val="tx1"/>
+            </a:solidFill>
+          </a:ln>
+        </p:spPr>
+        <p:style>
+          <a:lnRef idx="2">
+            <a:schemeClr val="accent1">
+              <a:shade val="15000"/>
+            </a:schemeClr>
+          </a:lnRef>
+          <a:fillRef idx="1">
+            <a:schemeClr val="accent1"/>
+          </a:fillRef>
+          <a:effectRef idx="0">
+            <a:schemeClr val="accent1"/>
+          </a:effectRef>
+          <a:fontRef idx="minor">
+            <a:schemeClr val="lt1"/>
+          </a:fontRef>
+        </p:style>
+        <p:txBody>
+          <a:bodyPr rtlCol="0" anchor="ctr"/>
+          <a:lstStyle/>
+          <a:p>
+            <a:pPr algn="ctr"/>
+            <a:r>
+              <a:rPr lang="en-US" altLang="zh-CN" sz="1200">
                 <a:solidFill>
                   <a:schemeClr val="tx1"/>
                 </a:solidFill>
                 <a:latin typeface="Arial" panose="020B0604020202020204" pitchFamily="34" charset="0"/>
+                <a:ea typeface="Meiryo" panose="020B0604030504040204" pitchFamily="34" charset="-128"/>
                 <a:cs typeface="Arial" panose="020B0604020202020204" pitchFamily="34" charset="0"/>
-              </a:endParaRPr>
-            </a:p>
-          </p:txBody>
-        </p:sp>
-        <p:sp>
-          <p:nvSpPr>
-            <p:cNvPr id="9" name="矩形: 剪去单角 8">
-              <a:extLst>
-                <a:ext uri="{FF2B5EF4-FFF2-40B4-BE49-F238E27FC236}">
-                  <a16:creationId xmlns:a16="http://schemas.microsoft.com/office/drawing/2014/main" id="{4ECDEF8D-2C91-3CD9-232B-664DACBC816C}"/>
-                </a:ext>
-              </a:extLst>
-            </p:cNvPr>
-            <p:cNvSpPr/>
-            <p:nvPr/>
-          </p:nvSpPr>
-          <p:spPr>
-            <a:xfrm>
-              <a:off x="1171095" y="2353730"/>
-              <a:ext cx="1565671" cy="676808"/>
-            </a:xfrm>
-            <a:prstGeom prst="snip1Rect">
-              <a:avLst/>
-            </a:prstGeom>
-            <a:solidFill>
-              <a:schemeClr val="bg1"/>
-            </a:solidFill>
-            <a:ln w="19050">
+              </a:rPr>
+              <a:t>load</a:t>
+            </a:r>
+            <a:endParaRPr lang="zh-CN" altLang="en-US" sz="1200">
               <a:solidFill>
                 <a:schemeClr val="tx1"/>
               </a:solidFill>
-            </a:ln>
-          </p:spPr>
-          <p:style>
-            <a:lnRef idx="2">
-              <a:schemeClr val="accent1">
-                <a:shade val="15000"/>
-              </a:schemeClr>
-            </a:lnRef>
-            <a:fillRef idx="1">
-              <a:schemeClr val="accent1"/>
-            </a:fillRef>
-            <a:effectRef idx="0">
-              <a:schemeClr val="accent1"/>
-            </a:effectRef>
-            <a:fontRef idx="minor">
-              <a:schemeClr val="lt1"/>
-            </a:fontRef>
-          </p:style>
-          <p:txBody>
-            <a:bodyPr rtlCol="0" anchor="ctr"/>
-            <a:lstStyle/>
-            <a:p>
-              <a:pPr algn="ctr"/>
-              <a:r>
-                <a:rPr lang="en-US" altLang="zh-CN" sz="1050">
-                  <a:solidFill>
-                    <a:schemeClr val="tx1"/>
-                  </a:solidFill>
-                  <a:latin typeface="Arial" panose="020B0604020202020204" pitchFamily="34" charset="0"/>
-                  <a:cs typeface="Arial" panose="020B0604020202020204" pitchFamily="34" charset="0"/>
-                </a:rPr>
-                <a:t>Operations’s</a:t>
-              </a:r>
-            </a:p>
-            <a:p>
-              <a:pPr algn="ctr"/>
-              <a:r>
-                <a:rPr lang="en-US" altLang="zh-CN" sz="1050">
-                  <a:solidFill>
-                    <a:schemeClr val="tx1"/>
-                  </a:solidFill>
-                  <a:latin typeface="Arial" panose="020B0604020202020204" pitchFamily="34" charset="0"/>
-                  <a:cs typeface="Arial" panose="020B0604020202020204" pitchFamily="34" charset="0"/>
-                </a:rPr>
-                <a:t>Power Consumption</a:t>
-              </a:r>
-            </a:p>
-            <a:p>
-              <a:pPr algn="ctr"/>
-              <a:r>
-                <a:rPr lang="en-US" altLang="zh-CN" sz="1050">
-                  <a:solidFill>
-                    <a:schemeClr val="tx1"/>
-                  </a:solidFill>
-                  <a:latin typeface="Arial" panose="020B0604020202020204" pitchFamily="34" charset="0"/>
-                  <a:cs typeface="Arial" panose="020B0604020202020204" pitchFamily="34" charset="0"/>
-                </a:rPr>
-                <a:t>Relative Contents</a:t>
-              </a:r>
-              <a:endParaRPr lang="zh-CN" altLang="en-US" sz="1050">
+              <a:latin typeface="Arial" panose="020B0604020202020204" pitchFamily="34" charset="0"/>
+              <a:ea typeface="Meiryo" panose="020B0604030504040204" pitchFamily="34" charset="-128"/>
+              <a:cs typeface="Arial" panose="020B0604020202020204" pitchFamily="34" charset="0"/>
+            </a:endParaRPr>
+          </a:p>
+        </p:txBody>
+      </p:sp>
+      <p:sp>
+        <p:nvSpPr>
+          <p:cNvPr id="9" name="矩形: 剪去单角 8">
+            <a:extLst>
+              <a:ext uri="{FF2B5EF4-FFF2-40B4-BE49-F238E27FC236}">
+                <a16:creationId xmlns:a16="http://schemas.microsoft.com/office/drawing/2014/main" id="{4ECDEF8D-2C91-3CD9-232B-664DACBC816C}"/>
+              </a:ext>
+            </a:extLst>
+          </p:cNvPr>
+          <p:cNvSpPr/>
+          <p:nvPr/>
+        </p:nvSpPr>
+        <p:spPr>
+          <a:xfrm>
+            <a:off x="1391575" y="4771467"/>
+            <a:ext cx="1268517" cy="557409"/>
+          </a:xfrm>
+          <a:prstGeom prst="snip1Rect">
+            <a:avLst/>
+          </a:prstGeom>
+          <a:solidFill>
+            <a:schemeClr val="bg1"/>
+          </a:solidFill>
+          <a:ln w="19050">
+            <a:solidFill>
+              <a:schemeClr val="tx1"/>
+            </a:solidFill>
+          </a:ln>
+        </p:spPr>
+        <p:style>
+          <a:lnRef idx="2">
+            <a:schemeClr val="accent1">
+              <a:shade val="15000"/>
+            </a:schemeClr>
+          </a:lnRef>
+          <a:fillRef idx="1">
+            <a:schemeClr val="accent1"/>
+          </a:fillRef>
+          <a:effectRef idx="0">
+            <a:schemeClr val="accent1"/>
+          </a:effectRef>
+          <a:fontRef idx="minor">
+            <a:schemeClr val="lt1"/>
+          </a:fontRef>
+        </p:style>
+        <p:txBody>
+          <a:bodyPr rtlCol="0" anchor="ctr"/>
+          <a:lstStyle/>
+          <a:p>
+            <a:pPr algn="ctr"/>
+            <a:r>
+              <a:rPr lang="en-US" altLang="zh-CN" sz="900">
                 <a:solidFill>
                   <a:schemeClr val="tx1"/>
                 </a:solidFill>
                 <a:latin typeface="Arial" panose="020B0604020202020204" pitchFamily="34" charset="0"/>
+                <a:ea typeface="Meiryo" panose="020B0604030504040204" pitchFamily="34" charset="-128"/>
                 <a:cs typeface="Arial" panose="020B0604020202020204" pitchFamily="34" charset="0"/>
-              </a:endParaRPr>
-            </a:p>
-          </p:txBody>
-        </p:sp>
-        <p:sp>
-          <p:nvSpPr>
-            <p:cNvPr id="22" name="文本框 21">
-              <a:extLst>
-                <a:ext uri="{FF2B5EF4-FFF2-40B4-BE49-F238E27FC236}">
-                  <a16:creationId xmlns:a16="http://schemas.microsoft.com/office/drawing/2014/main" id="{0F8CF08A-70D0-4BFA-DF22-8A1D90BE0880}"/>
-                </a:ext>
-              </a:extLst>
-            </p:cNvPr>
-            <p:cNvSpPr txBox="1"/>
-            <p:nvPr/>
-          </p:nvSpPr>
-          <p:spPr>
-            <a:xfrm>
-              <a:off x="1695872" y="3592401"/>
-              <a:ext cx="646331" cy="369332"/>
-            </a:xfrm>
-            <a:prstGeom prst="rect">
-              <a:avLst/>
-            </a:prstGeom>
-            <a:noFill/>
-          </p:spPr>
-          <p:txBody>
-            <a:bodyPr wrap="none" rtlCol="0">
-              <a:spAutoFit/>
-            </a:bodyPr>
-            <a:lstStyle/>
-            <a:p>
-              <a:r>
-                <a:rPr lang="en-US" altLang="zh-CN">
-                  <a:latin typeface="Arial" panose="020B0604020202020204" pitchFamily="34" charset="0"/>
-                  <a:cs typeface="Arial" panose="020B0604020202020204" pitchFamily="34" charset="0"/>
-                </a:rPr>
-                <a:t>……</a:t>
-              </a:r>
-              <a:endParaRPr lang="zh-CN" altLang="en-US">
+              </a:rPr>
+              <a:t>Operations’s</a:t>
+            </a:r>
+          </a:p>
+          <a:p>
+            <a:pPr algn="ctr"/>
+            <a:r>
+              <a:rPr lang="en-US" altLang="zh-CN" sz="900">
+                <a:solidFill>
+                  <a:schemeClr val="tx1"/>
+                </a:solidFill>
                 <a:latin typeface="Arial" panose="020B0604020202020204" pitchFamily="34" charset="0"/>
+                <a:ea typeface="Meiryo" panose="020B0604030504040204" pitchFamily="34" charset="-128"/>
                 <a:cs typeface="Arial" panose="020B0604020202020204" pitchFamily="34" charset="0"/>
-              </a:endParaRPr>
-            </a:p>
-          </p:txBody>
-        </p:sp>
-      </p:grpSp>
+              </a:rPr>
+              <a:t>Power Consumption</a:t>
+            </a:r>
+          </a:p>
+          <a:p>
+            <a:pPr algn="ctr"/>
+            <a:r>
+              <a:rPr lang="en-US" altLang="zh-CN" sz="900">
+                <a:solidFill>
+                  <a:schemeClr val="tx1"/>
+                </a:solidFill>
+                <a:latin typeface="Arial" panose="020B0604020202020204" pitchFamily="34" charset="0"/>
+                <a:ea typeface="Meiryo" panose="020B0604030504040204" pitchFamily="34" charset="-128"/>
+                <a:cs typeface="Arial" panose="020B0604020202020204" pitchFamily="34" charset="0"/>
+              </a:rPr>
+              <a:t>Relative Contents</a:t>
+            </a:r>
+            <a:endParaRPr lang="zh-CN" altLang="en-US" sz="900">
+              <a:solidFill>
+                <a:schemeClr val="tx1"/>
+              </a:solidFill>
+              <a:latin typeface="Arial" panose="020B0604020202020204" pitchFamily="34" charset="0"/>
+              <a:ea typeface="Meiryo" panose="020B0604030504040204" pitchFamily="34" charset="-128"/>
+              <a:cs typeface="Arial" panose="020B0604020202020204" pitchFamily="34" charset="0"/>
+            </a:endParaRPr>
+          </a:p>
+        </p:txBody>
+      </p:sp>
+      <p:sp>
+        <p:nvSpPr>
+          <p:cNvPr id="22" name="文本框 21">
+            <a:extLst>
+              <a:ext uri="{FF2B5EF4-FFF2-40B4-BE49-F238E27FC236}">
+                <a16:creationId xmlns:a16="http://schemas.microsoft.com/office/drawing/2014/main" id="{0F8CF08A-70D0-4BFA-DF22-8A1D90BE0880}"/>
+              </a:ext>
+            </a:extLst>
+          </p:cNvPr>
+          <p:cNvSpPr txBox="1"/>
+          <p:nvPr/>
+        </p:nvSpPr>
+        <p:spPr>
+          <a:xfrm>
+            <a:off x="1818643" y="5824526"/>
+            <a:ext cx="415498" cy="230832"/>
+          </a:xfrm>
+          <a:prstGeom prst="rect">
+            <a:avLst/>
+          </a:prstGeom>
+          <a:noFill/>
+        </p:spPr>
+        <p:txBody>
+          <a:bodyPr wrap="none" rtlCol="0">
+            <a:spAutoFit/>
+          </a:bodyPr>
+          <a:lstStyle/>
+          <a:p>
+            <a:r>
+              <a:rPr lang="en-US" altLang="zh-CN" sz="900">
+                <a:latin typeface="Arial" panose="020B0604020202020204" pitchFamily="34" charset="0"/>
+                <a:ea typeface="Meiryo" panose="020B0604030504040204" pitchFamily="34" charset="-128"/>
+                <a:cs typeface="Arial" panose="020B0604020202020204" pitchFamily="34" charset="0"/>
+              </a:rPr>
+              <a:t>……</a:t>
+            </a:r>
+            <a:endParaRPr lang="zh-CN" altLang="en-US" sz="900">
+              <a:latin typeface="Arial" panose="020B0604020202020204" pitchFamily="34" charset="0"/>
+              <a:ea typeface="Meiryo" panose="020B0604030504040204" pitchFamily="34" charset="-128"/>
+              <a:cs typeface="Arial" panose="020B0604020202020204" pitchFamily="34" charset="0"/>
+            </a:endParaRPr>
+          </a:p>
+        </p:txBody>
+      </p:sp>
       <p:cxnSp>
         <p:nvCxnSpPr>
           <p:cNvPr id="34" name="直接连接符 33">
@@ -5424,8 +5426,8 @@
         </p:nvCxnSpPr>
         <p:spPr>
           <a:xfrm>
-            <a:off x="1018307" y="1326575"/>
-            <a:ext cx="3101980" cy="0"/>
+            <a:off x="520205" y="1480227"/>
+            <a:ext cx="2528781" cy="0"/>
           </a:xfrm>
           <a:prstGeom prst="line">
             <a:avLst/>
@@ -5465,8 +5467,8 @@
         </p:nvSpPr>
         <p:spPr>
           <a:xfrm>
-            <a:off x="3399557" y="1040021"/>
-            <a:ext cx="133350" cy="166569"/>
+            <a:off x="2461436" y="1244226"/>
+            <a:ext cx="108709" cy="137184"/>
           </a:xfrm>
           <a:prstGeom prst="rect">
             <a:avLst/>
@@ -5499,7 +5501,11 @@
           <a:lstStyle/>
           <a:p>
             <a:pPr algn="ctr"/>
-            <a:endParaRPr lang="zh-CN" altLang="en-US"/>
+            <a:endParaRPr lang="zh-CN" altLang="en-US">
+              <a:latin typeface="Arial" panose="020B0604020202020204" pitchFamily="34" charset="0"/>
+              <a:ea typeface="Meiryo" panose="020B0604030504040204" pitchFamily="34" charset="-128"/>
+              <a:cs typeface="Arial" panose="020B0604020202020204" pitchFamily="34" charset="0"/>
+            </a:endParaRPr>
           </a:p>
         </p:txBody>
       </p:sp>
@@ -5517,8 +5523,8 @@
         </p:nvSpPr>
         <p:spPr>
           <a:xfrm>
-            <a:off x="3588067" y="1042875"/>
-            <a:ext cx="133350" cy="158627"/>
+            <a:off x="2615112" y="1246576"/>
+            <a:ext cx="108709" cy="130643"/>
           </a:xfrm>
           <a:prstGeom prst="rect">
             <a:avLst/>
@@ -5551,7 +5557,11 @@
           <a:lstStyle/>
           <a:p>
             <a:pPr algn="ctr"/>
-            <a:endParaRPr lang="zh-CN" altLang="en-US"/>
+            <a:endParaRPr lang="zh-CN" altLang="en-US">
+              <a:latin typeface="Arial" panose="020B0604020202020204" pitchFamily="34" charset="0"/>
+              <a:ea typeface="Meiryo" panose="020B0604030504040204" pitchFamily="34" charset="-128"/>
+              <a:cs typeface="Arial" panose="020B0604020202020204" pitchFamily="34" charset="0"/>
+            </a:endParaRPr>
           </a:p>
         </p:txBody>
       </p:sp>
@@ -5569,8 +5579,8 @@
         </p:nvSpPr>
         <p:spPr>
           <a:xfrm>
-            <a:off x="3776577" y="1040021"/>
-            <a:ext cx="133350" cy="158627"/>
+            <a:off x="2768788" y="1244226"/>
+            <a:ext cx="108709" cy="130643"/>
           </a:xfrm>
           <a:prstGeom prst="rect">
             <a:avLst/>
@@ -5604,10 +5614,18 @@
           <a:p>
             <a:pPr algn="ctr"/>
             <a:r>
-              <a:rPr lang="en-US" altLang="zh-CN"/>
+              <a:rPr lang="en-US" altLang="zh-CN">
+                <a:latin typeface="Arial" panose="020B0604020202020204" pitchFamily="34" charset="0"/>
+                <a:ea typeface="Meiryo" panose="020B0604030504040204" pitchFamily="34" charset="-128"/>
+                <a:cs typeface="Arial" panose="020B0604020202020204" pitchFamily="34" charset="0"/>
+              </a:rPr>
               <a:t> </a:t>
             </a:r>
-            <a:endParaRPr lang="zh-CN" altLang="en-US"/>
+            <a:endParaRPr lang="zh-CN" altLang="en-US">
+              <a:latin typeface="Arial" panose="020B0604020202020204" pitchFamily="34" charset="0"/>
+              <a:ea typeface="Meiryo" panose="020B0604030504040204" pitchFamily="34" charset="-128"/>
+              <a:cs typeface="Arial" panose="020B0604020202020204" pitchFamily="34" charset="0"/>
+            </a:endParaRPr>
           </a:p>
         </p:txBody>
       </p:sp>
@@ -5625,10 +5643,10 @@
         </p:nvGrpSpPr>
         <p:grpSpPr>
           <a:xfrm>
-            <a:off x="1117704" y="1442458"/>
-            <a:ext cx="2938462" cy="1302537"/>
-            <a:chOff x="740980" y="1650127"/>
-            <a:chExt cx="8434551" cy="3426370"/>
+            <a:off x="601235" y="1575667"/>
+            <a:ext cx="2395478" cy="1072750"/>
+            <a:chOff x="258146" y="1650127"/>
+            <a:chExt cx="2938462" cy="3426370"/>
           </a:xfrm>
         </p:grpSpPr>
         <p:sp>
@@ -5645,8 +5663,8 @@
           </p:nvSpPr>
           <p:spPr>
             <a:xfrm>
-              <a:off x="1781504" y="2832538"/>
-              <a:ext cx="599089" cy="599090"/>
+              <a:off x="620648" y="2832537"/>
+              <a:ext cx="208713" cy="599089"/>
             </a:xfrm>
             <a:prstGeom prst="ellipse">
               <a:avLst/>
@@ -5675,7 +5693,11 @@
             <a:lstStyle/>
             <a:p>
               <a:pPr algn="ctr"/>
-              <a:endParaRPr lang="zh-CN" altLang="en-US"/>
+              <a:endParaRPr lang="zh-CN" altLang="en-US">
+                <a:latin typeface="Arial" panose="020B0604020202020204" pitchFamily="34" charset="0"/>
+                <a:ea typeface="Meiryo" panose="020B0604030504040204" pitchFamily="34" charset="-128"/>
+                <a:cs typeface="Arial" panose="020B0604020202020204" pitchFamily="34" charset="0"/>
+              </a:endParaRPr>
             </a:p>
           </p:txBody>
         </p:sp>
@@ -5693,8 +5715,8 @@
           </p:nvSpPr>
           <p:spPr>
             <a:xfrm>
-              <a:off x="740980" y="2819400"/>
-              <a:ext cx="599090" cy="599091"/>
+              <a:off x="258146" y="2819400"/>
+              <a:ext cx="208713" cy="599091"/>
             </a:xfrm>
             <a:prstGeom prst="rect">
               <a:avLst/>
@@ -5723,7 +5745,11 @@
             <a:lstStyle/>
             <a:p>
               <a:pPr algn="ctr"/>
-              <a:endParaRPr lang="zh-CN" altLang="en-US"/>
+              <a:endParaRPr lang="zh-CN" altLang="en-US">
+                <a:latin typeface="Arial" panose="020B0604020202020204" pitchFamily="34" charset="0"/>
+                <a:ea typeface="Meiryo" panose="020B0604030504040204" pitchFamily="34" charset="-128"/>
+                <a:cs typeface="Arial" panose="020B0604020202020204" pitchFamily="34" charset="0"/>
+              </a:endParaRPr>
             </a:p>
           </p:txBody>
         </p:sp>
@@ -5744,8 +5770,8 @@
           </p:nvCxnSpPr>
           <p:spPr>
             <a:xfrm>
-              <a:off x="1340070" y="3118946"/>
-              <a:ext cx="441434" cy="13137"/>
+              <a:off x="466859" y="3118947"/>
+              <a:ext cx="153789" cy="13137"/>
             </a:xfrm>
             <a:prstGeom prst="straightConnector1">
               <a:avLst/>
@@ -5787,8 +5813,8 @@
           </p:nvCxnSpPr>
           <p:spPr>
             <a:xfrm flipV="1">
-              <a:off x="2380593" y="2191643"/>
-              <a:ext cx="772601" cy="940440"/>
+              <a:off x="829361" y="2191644"/>
+              <a:ext cx="269162" cy="940440"/>
             </a:xfrm>
             <a:prstGeom prst="bentConnector3">
               <a:avLst/>
@@ -5830,8 +5856,8 @@
           </p:nvCxnSpPr>
           <p:spPr>
             <a:xfrm>
-              <a:off x="2380593" y="3132083"/>
-              <a:ext cx="772601" cy="1087822"/>
+              <a:off x="829361" y="3132084"/>
+              <a:ext cx="269162" cy="1087821"/>
             </a:xfrm>
             <a:prstGeom prst="bentConnector3">
               <a:avLst/>
@@ -5869,8 +5895,8 @@
           </p:nvSpPr>
           <p:spPr>
             <a:xfrm rot="5400000">
-              <a:off x="3131517" y="1913773"/>
-              <a:ext cx="599093" cy="555739"/>
+              <a:off x="895781" y="2094837"/>
+              <a:ext cx="599094" cy="193611"/>
             </a:xfrm>
             <a:prstGeom prst="triangle">
               <a:avLst/>
@@ -5903,7 +5929,11 @@
             <a:lstStyle/>
             <a:p>
               <a:pPr algn="ctr"/>
-              <a:endParaRPr lang="zh-CN" altLang="en-US"/>
+              <a:endParaRPr lang="zh-CN" altLang="en-US">
+                <a:latin typeface="Arial" panose="020B0604020202020204" pitchFamily="34" charset="0"/>
+                <a:ea typeface="Meiryo" panose="020B0604030504040204" pitchFamily="34" charset="-128"/>
+                <a:cs typeface="Arial" panose="020B0604020202020204" pitchFamily="34" charset="0"/>
+              </a:endParaRPr>
             </a:p>
           </p:txBody>
         </p:sp>
@@ -5921,8 +5951,8 @@
           </p:nvSpPr>
           <p:spPr>
             <a:xfrm>
-              <a:off x="3153194" y="3920359"/>
-              <a:ext cx="599090" cy="599091"/>
+              <a:off x="1098523" y="3920358"/>
+              <a:ext cx="208713" cy="599091"/>
             </a:xfrm>
             <a:prstGeom prst="rect">
               <a:avLst/>
@@ -5951,7 +5981,11 @@
             <a:lstStyle/>
             <a:p>
               <a:pPr algn="ctr"/>
-              <a:endParaRPr lang="zh-CN" altLang="en-US"/>
+              <a:endParaRPr lang="zh-CN" altLang="en-US">
+                <a:latin typeface="Arial" panose="020B0604020202020204" pitchFamily="34" charset="0"/>
+                <a:ea typeface="Meiryo" panose="020B0604030504040204" pitchFamily="34" charset="-128"/>
+                <a:cs typeface="Arial" panose="020B0604020202020204" pitchFamily="34" charset="0"/>
+              </a:endParaRPr>
             </a:p>
           </p:txBody>
         </p:sp>
@@ -5969,8 +6003,8 @@
           </p:nvSpPr>
           <p:spPr>
             <a:xfrm>
-              <a:off x="3153193" y="2832653"/>
-              <a:ext cx="599090" cy="599091"/>
+              <a:off x="1098522" y="2832653"/>
+              <a:ext cx="208713" cy="599091"/>
             </a:xfrm>
             <a:prstGeom prst="rect">
               <a:avLst/>
@@ -5999,7 +6033,11 @@
             <a:lstStyle/>
             <a:p>
               <a:pPr algn="ctr"/>
-              <a:endParaRPr lang="zh-CN" altLang="en-US"/>
+              <a:endParaRPr lang="zh-CN" altLang="en-US">
+                <a:latin typeface="Arial" panose="020B0604020202020204" pitchFamily="34" charset="0"/>
+                <a:ea typeface="Meiryo" panose="020B0604030504040204" pitchFamily="34" charset="-128"/>
+                <a:cs typeface="Arial" panose="020B0604020202020204" pitchFamily="34" charset="0"/>
+              </a:endParaRPr>
             </a:p>
           </p:txBody>
         </p:sp>
@@ -6021,8 +6059,8 @@
           </p:nvCxnSpPr>
           <p:spPr>
             <a:xfrm>
-              <a:off x="2380593" y="3132083"/>
-              <a:ext cx="772600" cy="116"/>
+              <a:off x="829361" y="3132084"/>
+              <a:ext cx="269161" cy="116"/>
             </a:xfrm>
             <a:prstGeom prst="straightConnector1">
               <a:avLst/>
@@ -6060,8 +6098,8 @@
           </p:nvSpPr>
           <p:spPr>
             <a:xfrm>
-              <a:off x="5490434" y="1650127"/>
-              <a:ext cx="599089" cy="3037489"/>
+              <a:off x="1912779" y="1650127"/>
+              <a:ext cx="208713" cy="3037490"/>
             </a:xfrm>
             <a:prstGeom prst="rect">
               <a:avLst/>
@@ -6090,7 +6128,11 @@
             <a:lstStyle/>
             <a:p>
               <a:pPr algn="ctr"/>
-              <a:endParaRPr lang="zh-CN" altLang="en-US"/>
+              <a:endParaRPr lang="zh-CN" altLang="en-US">
+                <a:latin typeface="Arial" panose="020B0604020202020204" pitchFamily="34" charset="0"/>
+                <a:ea typeface="Meiryo" panose="020B0604030504040204" pitchFamily="34" charset="-128"/>
+                <a:cs typeface="Arial" panose="020B0604020202020204" pitchFamily="34" charset="0"/>
+              </a:endParaRPr>
             </a:p>
           </p:txBody>
         </p:sp>
@@ -6110,8 +6152,8 @@
           </p:nvCxnSpPr>
           <p:spPr>
             <a:xfrm>
-              <a:off x="3741117" y="3132083"/>
-              <a:ext cx="452600" cy="0"/>
+              <a:off x="1303346" y="3132084"/>
+              <a:ext cx="157679" cy="0"/>
             </a:xfrm>
             <a:prstGeom prst="straightConnector1">
               <a:avLst/>
@@ -6149,8 +6191,8 @@
           </p:nvSpPr>
           <p:spPr>
             <a:xfrm rot="5400000">
-              <a:off x="4172040" y="2854215"/>
-              <a:ext cx="599093" cy="555739"/>
+              <a:off x="1258283" y="3035280"/>
+              <a:ext cx="599094" cy="193611"/>
             </a:xfrm>
             <a:prstGeom prst="triangle">
               <a:avLst/>
@@ -6183,7 +6225,11 @@
             <a:lstStyle/>
             <a:p>
               <a:pPr algn="ctr"/>
-              <a:endParaRPr lang="zh-CN" altLang="en-US"/>
+              <a:endParaRPr lang="zh-CN" altLang="en-US">
+                <a:latin typeface="Arial" panose="020B0604020202020204" pitchFamily="34" charset="0"/>
+                <a:ea typeface="Meiryo" panose="020B0604030504040204" pitchFamily="34" charset="-128"/>
+                <a:cs typeface="Arial" panose="020B0604020202020204" pitchFamily="34" charset="0"/>
+              </a:endParaRPr>
             </a:p>
           </p:txBody>
         </p:sp>
@@ -6204,8 +6250,8 @@
           </p:nvCxnSpPr>
           <p:spPr>
             <a:xfrm>
-              <a:off x="4749456" y="3132085"/>
-              <a:ext cx="750925" cy="0"/>
+              <a:off x="1654635" y="3132084"/>
+              <a:ext cx="261610" cy="0"/>
             </a:xfrm>
             <a:prstGeom prst="straightConnector1">
               <a:avLst/>
@@ -6246,8 +6292,8 @@
           </p:nvCxnSpPr>
           <p:spPr>
             <a:xfrm flipV="1">
-              <a:off x="3708933" y="2191642"/>
-              <a:ext cx="1781501" cy="1"/>
+              <a:off x="1292133" y="2191641"/>
+              <a:ext cx="620646" cy="0"/>
             </a:xfrm>
             <a:prstGeom prst="straightConnector1">
               <a:avLst/>
@@ -6285,8 +6331,8 @@
           </p:nvSpPr>
           <p:spPr>
             <a:xfrm rot="5400000">
-              <a:off x="4172040" y="3942036"/>
-              <a:ext cx="599093" cy="555739"/>
+              <a:off x="1258283" y="4123101"/>
+              <a:ext cx="599094" cy="193611"/>
             </a:xfrm>
             <a:prstGeom prst="triangle">
               <a:avLst/>
@@ -6319,7 +6365,11 @@
             <a:lstStyle/>
             <a:p>
               <a:pPr algn="ctr"/>
-              <a:endParaRPr lang="zh-CN" altLang="en-US"/>
+              <a:endParaRPr lang="zh-CN" altLang="en-US">
+                <a:latin typeface="Arial" panose="020B0604020202020204" pitchFamily="34" charset="0"/>
+                <a:ea typeface="Meiryo" panose="020B0604030504040204" pitchFamily="34" charset="-128"/>
+                <a:cs typeface="Arial" panose="020B0604020202020204" pitchFamily="34" charset="0"/>
+              </a:endParaRPr>
             </a:p>
           </p:txBody>
         </p:sp>
@@ -6339,8 +6389,8 @@
           </p:nvCxnSpPr>
           <p:spPr>
             <a:xfrm>
-              <a:off x="3752283" y="4235669"/>
-              <a:ext cx="452600" cy="0"/>
+              <a:off x="1307236" y="4235670"/>
+              <a:ext cx="157679" cy="0"/>
             </a:xfrm>
             <a:prstGeom prst="straightConnector1">
               <a:avLst/>
@@ -6380,8 +6430,8 @@
           </p:nvCxnSpPr>
           <p:spPr>
             <a:xfrm>
-              <a:off x="4749455" y="4219904"/>
-              <a:ext cx="750925" cy="0"/>
+              <a:off x="1654634" y="4219905"/>
+              <a:ext cx="261610" cy="0"/>
             </a:xfrm>
             <a:prstGeom prst="straightConnector1">
               <a:avLst/>
@@ -6421,8 +6471,8 @@
           </p:nvCxnSpPr>
           <p:spPr>
             <a:xfrm>
-              <a:off x="6089523" y="3125514"/>
-              <a:ext cx="750925" cy="0"/>
+              <a:off x="2121492" y="3125513"/>
+              <a:ext cx="261610" cy="0"/>
             </a:xfrm>
             <a:prstGeom prst="straightConnector1">
               <a:avLst/>
@@ -6460,8 +6510,8 @@
           </p:nvSpPr>
           <p:spPr>
             <a:xfrm>
-              <a:off x="6843075" y="2819399"/>
-              <a:ext cx="994546" cy="599091"/>
+              <a:off x="2384018" y="2819400"/>
+              <a:ext cx="346484" cy="599091"/>
             </a:xfrm>
             <a:prstGeom prst="rect">
               <a:avLst/>
@@ -6490,7 +6540,11 @@
             <a:lstStyle/>
             <a:p>
               <a:pPr algn="ctr"/>
-              <a:endParaRPr lang="zh-CN" altLang="en-US"/>
+              <a:endParaRPr lang="zh-CN" altLang="en-US">
+                <a:latin typeface="Arial" panose="020B0604020202020204" pitchFamily="34" charset="0"/>
+                <a:ea typeface="Meiryo" panose="020B0604030504040204" pitchFamily="34" charset="-128"/>
+                <a:cs typeface="Arial" panose="020B0604020202020204" pitchFamily="34" charset="0"/>
+              </a:endParaRPr>
             </a:p>
           </p:txBody>
         </p:sp>
@@ -6510,8 +6564,8 @@
           </p:nvCxnSpPr>
           <p:spPr>
             <a:xfrm>
-              <a:off x="7837621" y="3125514"/>
-              <a:ext cx="750925" cy="0"/>
+              <a:off x="2730502" y="3125513"/>
+              <a:ext cx="261610" cy="0"/>
             </a:xfrm>
             <a:prstGeom prst="straightConnector1">
               <a:avLst/>
@@ -6549,8 +6603,8 @@
           </p:nvSpPr>
           <p:spPr>
             <a:xfrm>
-              <a:off x="8588546" y="2819400"/>
-              <a:ext cx="586985" cy="599090"/>
+              <a:off x="2992112" y="2819400"/>
+              <a:ext cx="204496" cy="599089"/>
             </a:xfrm>
             <a:prstGeom prst="rect">
               <a:avLst/>
@@ -6579,7 +6633,11 @@
             <a:lstStyle/>
             <a:p>
               <a:pPr algn="ctr"/>
-              <a:endParaRPr lang="zh-CN" altLang="en-US"/>
+              <a:endParaRPr lang="zh-CN" altLang="en-US">
+                <a:latin typeface="Arial" panose="020B0604020202020204" pitchFamily="34" charset="0"/>
+                <a:ea typeface="Meiryo" panose="020B0604030504040204" pitchFamily="34" charset="-128"/>
+                <a:cs typeface="Arial" panose="020B0604020202020204" pitchFamily="34" charset="0"/>
+              </a:endParaRPr>
             </a:p>
           </p:txBody>
         </p:sp>
@@ -6597,8 +6655,8 @@
           </p:nvSpPr>
           <p:spPr>
             <a:xfrm>
-              <a:off x="8651608" y="2882466"/>
-              <a:ext cx="460861" cy="286405"/>
+              <a:off x="3014082" y="2882467"/>
+              <a:ext cx="160557" cy="286405"/>
             </a:xfrm>
             <a:prstGeom prst="rect">
               <a:avLst/>
@@ -6627,7 +6685,11 @@
             <a:lstStyle/>
             <a:p>
               <a:pPr algn="ctr"/>
-              <a:endParaRPr lang="zh-CN" altLang="en-US"/>
+              <a:endParaRPr lang="zh-CN" altLang="en-US">
+                <a:latin typeface="Arial" panose="020B0604020202020204" pitchFamily="34" charset="0"/>
+                <a:ea typeface="Meiryo" panose="020B0604030504040204" pitchFamily="34" charset="-128"/>
+                <a:cs typeface="Arial" panose="020B0604020202020204" pitchFamily="34" charset="0"/>
+              </a:endParaRPr>
             </a:p>
           </p:txBody>
         </p:sp>
@@ -6645,8 +6707,8 @@
           </p:nvCxnSpPr>
           <p:spPr>
             <a:xfrm>
-              <a:off x="8213083" y="3132083"/>
-              <a:ext cx="0" cy="1944414"/>
+              <a:off x="2861307" y="3132084"/>
+              <a:ext cx="0" cy="1944413"/>
             </a:xfrm>
             <a:prstGeom prst="line">
               <a:avLst/>
@@ -6684,8 +6746,8 @@
           </p:nvCxnSpPr>
           <p:spPr>
             <a:xfrm>
-              <a:off x="2081048" y="5076497"/>
-              <a:ext cx="6132035" cy="0"/>
+              <a:off x="725004" y="5076497"/>
+              <a:ext cx="2136302" cy="0"/>
             </a:xfrm>
             <a:prstGeom prst="line">
               <a:avLst/>
@@ -6717,14 +6779,14 @@
               </a:extLst>
             </p:cNvPr>
             <p:cNvCxnSpPr>
-              <a:endCxn id="41" idx="4"/>
+              <a:cxnSpLocks/>
             </p:cNvCxnSpPr>
             <p:nvPr/>
           </p:nvCxnSpPr>
           <p:spPr>
             <a:xfrm flipV="1">
-              <a:off x="2081048" y="3431628"/>
-              <a:ext cx="1" cy="1644869"/>
+              <a:off x="725004" y="3431629"/>
+              <a:ext cx="0" cy="1644868"/>
             </a:xfrm>
             <a:prstGeom prst="straightConnector1">
               <a:avLst/>
@@ -6766,10 +6828,10 @@
         </p:nvGrpSpPr>
         <p:grpSpPr>
           <a:xfrm>
-            <a:off x="5841711" y="917804"/>
-            <a:ext cx="1634507" cy="2049086"/>
+            <a:off x="4534616" y="1159201"/>
+            <a:ext cx="1332475" cy="1640390"/>
             <a:chOff x="8068391" y="1177142"/>
-            <a:chExt cx="1634507" cy="2049086"/>
+            <a:chExt cx="1634507" cy="1991768"/>
           </a:xfrm>
         </p:grpSpPr>
         <p:sp>
@@ -6817,7 +6879,11 @@
             <a:lstStyle/>
             <a:p>
               <a:pPr algn="ctr"/>
-              <a:endParaRPr lang="zh-CN" altLang="en-US"/>
+              <a:endParaRPr lang="zh-CN" altLang="en-US">
+                <a:latin typeface="Arial" panose="020B0604020202020204" pitchFamily="34" charset="0"/>
+                <a:ea typeface="Meiryo" panose="020B0604030504040204" pitchFamily="34" charset="-128"/>
+                <a:cs typeface="Arial" panose="020B0604020202020204" pitchFamily="34" charset="0"/>
+              </a:endParaRPr>
             </a:p>
           </p:txBody>
         </p:sp>
@@ -6870,21 +6936,29 @@
             <a:bodyPr rtlCol="0" anchor="ctr"/>
             <a:lstStyle/>
             <a:p>
-              <a:pPr algn="ctr"/>
-              <a:r>
-                <a:rPr lang="en-US" altLang="zh-CN">
-                  <a:solidFill>
-                    <a:schemeClr val="tx1"/>
-                  </a:solidFill>
-                </a:rPr>
-                <a:t> </a:t>
-              </a:r>
+              <a:pPr algn="ctr">
+                <a:lnSpc>
+                  <a:spcPts val="1800"/>
+                </a:lnSpc>
+              </a:pPr>
               <a:r>
                 <a:rPr lang="en-US" altLang="zh-CN">
                   <a:solidFill>
                     <a:schemeClr val="tx1"/>
                   </a:solidFill>
                   <a:latin typeface="Arial" panose="020B0604020202020204" pitchFamily="34" charset="0"/>
+                  <a:ea typeface="Meiryo" panose="020B0604030504040204" pitchFamily="34" charset="-128"/>
+                  <a:cs typeface="Arial" panose="020B0604020202020204" pitchFamily="34" charset="0"/>
+                </a:rPr>
+                <a:t> </a:t>
+              </a:r>
+              <a:r>
+                <a:rPr lang="en-US" altLang="zh-CN" sz="1400">
+                  <a:solidFill>
+                    <a:schemeClr val="tx1"/>
+                  </a:solidFill>
+                  <a:latin typeface="Arial" panose="020B0604020202020204" pitchFamily="34" charset="0"/>
+                  <a:ea typeface="Meiryo" panose="020B0604030504040204" pitchFamily="34" charset="-128"/>
                   <a:cs typeface="Arial" panose="020B0604020202020204" pitchFamily="34" charset="0"/>
                 </a:rPr>
                 <a:t>Code</a:t>
@@ -6894,6 +6968,9 @@
                   <a:solidFill>
                     <a:schemeClr val="tx1"/>
                   </a:solidFill>
+                  <a:latin typeface="Arial" panose="020B0604020202020204" pitchFamily="34" charset="0"/>
+                  <a:ea typeface="Meiryo" panose="020B0604030504040204" pitchFamily="34" charset="-128"/>
+                  <a:cs typeface="Arial" panose="020B0604020202020204" pitchFamily="34" charset="0"/>
                 </a:rPr>
                 <a:t> </a:t>
               </a:r>
@@ -6901,6 +6978,9 @@
                 <a:solidFill>
                   <a:schemeClr val="tx1"/>
                 </a:solidFill>
+                <a:latin typeface="Arial" panose="020B0604020202020204" pitchFamily="34" charset="0"/>
+                <a:ea typeface="Meiryo" panose="020B0604030504040204" pitchFamily="34" charset="-128"/>
+                <a:cs typeface="Arial" panose="020B0604020202020204" pitchFamily="34" charset="0"/>
               </a:endParaRPr>
             </a:p>
           </p:txBody>
@@ -6919,8 +6999,8 @@
           </p:nvSpPr>
           <p:spPr>
             <a:xfrm>
-              <a:off x="8631407" y="2856896"/>
-              <a:ext cx="508473" cy="369332"/>
+              <a:off x="8623712" y="2720466"/>
+              <a:ext cx="792835" cy="448444"/>
             </a:xfrm>
             <a:prstGeom prst="rect">
               <a:avLst/>
@@ -6934,10 +7014,18 @@
             <a:lstStyle/>
             <a:p>
               <a:r>
-                <a:rPr lang="en-US" altLang="zh-CN"/>
+                <a:rPr lang="en-US" altLang="zh-CN">
+                  <a:latin typeface="Arial" panose="020B0604020202020204" pitchFamily="34" charset="0"/>
+                  <a:ea typeface="Meiryo" panose="020B0604030504040204" pitchFamily="34" charset="-128"/>
+                  <a:cs typeface="Arial" panose="020B0604020202020204" pitchFamily="34" charset="0"/>
+                </a:rPr>
                 <a:t>……</a:t>
               </a:r>
-              <a:endParaRPr lang="zh-CN" altLang="en-US"/>
+              <a:endParaRPr lang="zh-CN" altLang="en-US">
+                <a:latin typeface="Arial" panose="020B0604020202020204" pitchFamily="34" charset="0"/>
+                <a:ea typeface="Meiryo" panose="020B0604030504040204" pitchFamily="34" charset="-128"/>
+                <a:cs typeface="Arial" panose="020B0604020202020204" pitchFamily="34" charset="0"/>
+              </a:endParaRPr>
             </a:p>
           </p:txBody>
         </p:sp>
@@ -6997,6 +7085,7 @@
                     <a:schemeClr val="tx1"/>
                   </a:solidFill>
                   <a:latin typeface="Arial" panose="020B0604020202020204" pitchFamily="34" charset="0"/>
+                  <a:ea typeface="Meiryo" panose="020B0604030504040204" pitchFamily="34" charset="-128"/>
                   <a:cs typeface="Arial" panose="020B0604020202020204" pitchFamily="34" charset="0"/>
                 </a:rPr>
                 <a:t>ert_main.c</a:t>
@@ -7006,6 +7095,7 @@
                   <a:schemeClr val="tx1"/>
                 </a:solidFill>
                 <a:latin typeface="Arial" panose="020B0604020202020204" pitchFamily="34" charset="0"/>
+                <a:ea typeface="Meiryo" panose="020B0604030504040204" pitchFamily="34" charset="-128"/>
                 <a:cs typeface="Arial" panose="020B0604020202020204" pitchFamily="34" charset="0"/>
               </a:endParaRPr>
             </a:p>
@@ -7067,6 +7157,7 @@
                     <a:schemeClr val="tx1"/>
                   </a:solidFill>
                   <a:latin typeface="Arial" panose="020B0604020202020204" pitchFamily="34" charset="0"/>
+                  <a:ea typeface="Meiryo" panose="020B0604030504040204" pitchFamily="34" charset="-128"/>
                   <a:cs typeface="Arial" panose="020B0604020202020204" pitchFamily="34" charset="0"/>
                 </a:rPr>
                 <a:t>rtwtypes.h</a:t>
@@ -7076,6 +7167,7 @@
                   <a:schemeClr val="tx1"/>
                 </a:solidFill>
                 <a:latin typeface="Arial" panose="020B0604020202020204" pitchFamily="34" charset="0"/>
+                <a:ea typeface="Meiryo" panose="020B0604030504040204" pitchFamily="34" charset="-128"/>
                 <a:cs typeface="Arial" panose="020B0604020202020204" pitchFamily="34" charset="0"/>
               </a:endParaRPr>
             </a:p>
@@ -7137,6 +7229,7 @@
                     <a:schemeClr val="tx1"/>
                   </a:solidFill>
                   <a:latin typeface="Arial" panose="020B0604020202020204" pitchFamily="34" charset="0"/>
+                  <a:ea typeface="Meiryo" panose="020B0604030504040204" pitchFamily="34" charset="-128"/>
                   <a:cs typeface="Arial" panose="020B0604020202020204" pitchFamily="34" charset="0"/>
                 </a:rPr>
                 <a:t>Target.h</a:t>
@@ -7146,6 +7239,7 @@
                   <a:schemeClr val="tx1"/>
                 </a:solidFill>
                 <a:latin typeface="Arial" panose="020B0604020202020204" pitchFamily="34" charset="0"/>
+                <a:ea typeface="Meiryo" panose="020B0604030504040204" pitchFamily="34" charset="-128"/>
                 <a:cs typeface="Arial" panose="020B0604020202020204" pitchFamily="34" charset="0"/>
               </a:endParaRPr>
             </a:p>
@@ -7207,6 +7301,7 @@
                     <a:schemeClr val="tx1"/>
                   </a:solidFill>
                   <a:latin typeface="Arial" panose="020B0604020202020204" pitchFamily="34" charset="0"/>
+                  <a:ea typeface="Meiryo" panose="020B0604030504040204" pitchFamily="34" charset="-128"/>
                   <a:cs typeface="Arial" panose="020B0604020202020204" pitchFamily="34" charset="0"/>
                 </a:rPr>
                 <a:t>Target.c</a:t>
@@ -7216,6 +7311,7 @@
                   <a:schemeClr val="tx1"/>
                 </a:solidFill>
                 <a:latin typeface="Arial" panose="020B0604020202020204" pitchFamily="34" charset="0"/>
+                <a:ea typeface="Meiryo" panose="020B0604030504040204" pitchFamily="34" charset="-128"/>
                 <a:cs typeface="Arial" panose="020B0604020202020204" pitchFamily="34" charset="0"/>
               </a:endParaRPr>
             </a:p>
@@ -7237,9 +7333,9 @@
           <p:nvPr/>
         </p:nvCxnSpPr>
         <p:spPr>
-          <a:xfrm flipV="1">
-            <a:off x="4120287" y="1886363"/>
-            <a:ext cx="1721817" cy="8743"/>
+          <a:xfrm>
+            <a:off x="3049651" y="2063615"/>
+            <a:ext cx="1494808" cy="0"/>
           </a:xfrm>
           <a:prstGeom prst="straightConnector1">
             <a:avLst/>
@@ -7280,8 +7376,8 @@
         </p:nvSpPr>
         <p:spPr>
           <a:xfrm>
-            <a:off x="4103751" y="1326032"/>
-            <a:ext cx="1790875" cy="584775"/>
+            <a:off x="2975767" y="1543809"/>
+            <a:ext cx="1587294" cy="523220"/>
           </a:xfrm>
           <a:prstGeom prst="rect">
             <a:avLst/>
@@ -7296,8 +7392,9 @@
           <a:p>
             <a:pPr algn="ctr"/>
             <a:r>
-              <a:rPr lang="en-US" altLang="zh-CN" sz="1600">
+              <a:rPr lang="en-US" altLang="zh-CN" sz="1400">
                 <a:latin typeface="Arial" panose="020B0604020202020204" pitchFamily="34" charset="0"/>
+                <a:ea typeface="Meiryo" panose="020B0604030504040204" pitchFamily="34" charset="-128"/>
                 <a:cs typeface="Arial" panose="020B0604020202020204" pitchFamily="34" charset="0"/>
               </a:rPr>
               <a:t>Tool:</a:t>
@@ -7306,8 +7403,9 @@
           <a:p>
             <a:pPr algn="ctr"/>
             <a:r>
-              <a:rPr lang="en-US" altLang="zh-CN" sz="1600">
+              <a:rPr lang="en-US" altLang="zh-CN" sz="1400">
                 <a:latin typeface="Arial" panose="020B0604020202020204" pitchFamily="34" charset="0"/>
+                <a:ea typeface="Meiryo" panose="020B0604030504040204" pitchFamily="34" charset="-128"/>
                 <a:cs typeface="Arial" panose="020B0604020202020204" pitchFamily="34" charset="0"/>
               </a:rPr>
               <a:t>Embedded Coder</a:t>
@@ -7329,101 +7427,8 @@
         </p:nvSpPr>
         <p:spPr>
           <a:xfrm>
-            <a:off x="4136110" y="1886363"/>
-            <a:ext cx="1745991" cy="584775"/>
-          </a:xfrm>
-          <a:prstGeom prst="rect">
-            <a:avLst/>
-          </a:prstGeom>
-          <a:noFill/>
-        </p:spPr>
-        <p:txBody>
-          <a:bodyPr wrap="none" rtlCol="0">
-            <a:spAutoFit/>
-          </a:bodyPr>
-          <a:lstStyle/>
-          <a:p>
-            <a:pPr algn="ctr"/>
-            <a:r>
-              <a:rPr lang="en-US" altLang="zh-CN" sz="1600">
-                <a:latin typeface="Arial" panose="020B0604020202020204" pitchFamily="34" charset="0"/>
-                <a:cs typeface="Arial" panose="020B0604020202020204" pitchFamily="34" charset="0"/>
-              </a:rPr>
-              <a:t>Action:</a:t>
-            </a:r>
-          </a:p>
-          <a:p>
-            <a:pPr algn="ctr"/>
-            <a:r>
-              <a:rPr lang="en-US" altLang="zh-CN" sz="1600">
-                <a:latin typeface="Arial" panose="020B0604020202020204" pitchFamily="34" charset="0"/>
-                <a:cs typeface="Arial" panose="020B0604020202020204" pitchFamily="34" charset="0"/>
-              </a:rPr>
-              <a:t>Code Generation</a:t>
-            </a:r>
-          </a:p>
-        </p:txBody>
-      </p:sp>
-      <p:cxnSp>
-        <p:nvCxnSpPr>
-          <p:cNvPr id="106" name="直接箭头连接符 105">
-            <a:extLst>
-              <a:ext uri="{FF2B5EF4-FFF2-40B4-BE49-F238E27FC236}">
-                <a16:creationId xmlns:a16="http://schemas.microsoft.com/office/drawing/2014/main" id="{34E7164D-0776-DAA1-7C0D-17E8EF9B0B9A}"/>
-              </a:ext>
-            </a:extLst>
-          </p:cNvPr>
-          <p:cNvCxnSpPr>
-            <a:cxnSpLocks/>
-          </p:cNvCxnSpPr>
-          <p:nvPr/>
-        </p:nvCxnSpPr>
-        <p:spPr>
-          <a:xfrm flipV="1">
-            <a:off x="7493238" y="1886363"/>
-            <a:ext cx="1721817" cy="8743"/>
-          </a:xfrm>
-          <a:prstGeom prst="straightConnector1">
-            <a:avLst/>
-          </a:prstGeom>
-          <a:ln w="28575">
-            <a:solidFill>
-              <a:schemeClr val="tx1"/>
-            </a:solidFill>
-            <a:tailEnd type="triangle"/>
-          </a:ln>
-        </p:spPr>
-        <p:style>
-          <a:lnRef idx="1">
-            <a:schemeClr val="accent1"/>
-          </a:lnRef>
-          <a:fillRef idx="0">
-            <a:schemeClr val="accent1"/>
-          </a:fillRef>
-          <a:effectRef idx="0">
-            <a:schemeClr val="accent1"/>
-          </a:effectRef>
-          <a:fontRef idx="minor">
-            <a:schemeClr val="tx1"/>
-          </a:fontRef>
-        </p:style>
-      </p:cxnSp>
-      <p:sp>
-        <p:nvSpPr>
-          <p:cNvPr id="108" name="文本框 107">
-            <a:extLst>
-              <a:ext uri="{FF2B5EF4-FFF2-40B4-BE49-F238E27FC236}">
-                <a16:creationId xmlns:a16="http://schemas.microsoft.com/office/drawing/2014/main" id="{94CADA66-DE37-784A-97AB-2E0F28CE5960}"/>
-              </a:ext>
-            </a:extLst>
-          </p:cNvPr>
-          <p:cNvSpPr txBox="1"/>
-          <p:nvPr/>
-        </p:nvSpPr>
-        <p:spPr>
-          <a:xfrm>
-            <a:off x="7424707" y="1886363"/>
-            <a:ext cx="1816908" cy="584775"/>
+            <a:off x="2996713" y="2047179"/>
+            <a:ext cx="1581104" cy="523220"/>
           </a:xfrm>
           <a:prstGeom prst="rect">
             <a:avLst/>
@@ -7438,8 +7443,9 @@
           <a:p>
             <a:pPr algn="ctr"/>
             <a:r>
-              <a:rPr lang="en-US" altLang="zh-CN" sz="1600">
+              <a:rPr lang="en-US" altLang="zh-CN" sz="1400">
                 <a:latin typeface="Arial" panose="020B0604020202020204" pitchFamily="34" charset="0"/>
+                <a:ea typeface="Meiryo" panose="020B0604030504040204" pitchFamily="34" charset="-128"/>
                 <a:cs typeface="Arial" panose="020B0604020202020204" pitchFamily="34" charset="0"/>
               </a:rPr>
               <a:t>Action:</a:t>
@@ -7448,11 +7454,12 @@
           <a:p>
             <a:pPr algn="ctr"/>
             <a:r>
-              <a:rPr lang="en-US" altLang="zh-CN" sz="1600">
+              <a:rPr lang="en-US" altLang="zh-CN" sz="1400">
                 <a:latin typeface="Arial" panose="020B0604020202020204" pitchFamily="34" charset="0"/>
+                <a:ea typeface="Meiryo" panose="020B0604030504040204" pitchFamily="34" charset="-128"/>
                 <a:cs typeface="Arial" panose="020B0604020202020204" pitchFamily="34" charset="0"/>
               </a:rPr>
-              <a:t>Write to Device</a:t>
+              <a:t>Code Generation</a:t>
             </a:r>
           </a:p>
         </p:txBody>
@@ -7496,8 +7503,8 @@
         </p:blipFill>
         <p:spPr bwMode="auto">
           <a:xfrm rot="21385363">
-            <a:off x="9176043" y="1208033"/>
-            <a:ext cx="2055919" cy="1545152"/>
+            <a:off x="10102627" y="1357313"/>
+            <a:ext cx="1676016" cy="1272565"/>
           </a:xfrm>
           <a:prstGeom prst="rect">
             <a:avLst/>
@@ -7528,8 +7535,8 @@
         </p:nvSpPr>
         <p:spPr>
           <a:xfrm>
-            <a:off x="1018307" y="917804"/>
-            <a:ext cx="3101980" cy="1951893"/>
+            <a:off x="520205" y="1143569"/>
+            <a:ext cx="2528781" cy="1607550"/>
           </a:xfrm>
           <a:prstGeom prst="rect">
             <a:avLst/>
@@ -7562,7 +7569,11 @@
           <a:lstStyle/>
           <a:p>
             <a:pPr algn="ctr"/>
-            <a:endParaRPr lang="zh-CN" altLang="en-US"/>
+            <a:endParaRPr lang="zh-CN" altLang="en-US">
+              <a:latin typeface="Arial" panose="020B0604020202020204" pitchFamily="34" charset="0"/>
+              <a:ea typeface="Meiryo" panose="020B0604030504040204" pitchFamily="34" charset="-128"/>
+              <a:cs typeface="Arial" panose="020B0604020202020204" pitchFamily="34" charset="0"/>
+            </a:endParaRPr>
           </a:p>
         </p:txBody>
       </p:sp>
@@ -7597,8 +7608,8 @@
         </p:blipFill>
         <p:spPr>
           <a:xfrm>
-            <a:off x="477983" y="502848"/>
-            <a:ext cx="942975" cy="942975"/>
+            <a:off x="135176" y="750042"/>
+            <a:ext cx="768727" cy="776620"/>
           </a:xfrm>
           <a:prstGeom prst="rect">
             <a:avLst/>
@@ -7621,8 +7632,8 @@
         </p:nvCxnSpPr>
         <p:spPr>
           <a:xfrm>
-            <a:off x="6651068" y="2880409"/>
-            <a:ext cx="0" cy="448807"/>
+            <a:off x="5243376" y="2763596"/>
+            <a:ext cx="0" cy="511692"/>
           </a:xfrm>
           <a:prstGeom prst="straightConnector1">
             <a:avLst/>
@@ -7660,8 +7671,8 @@
         </p:nvSpPr>
         <p:spPr>
           <a:xfrm>
-            <a:off x="5787274" y="3344332"/>
-            <a:ext cx="1710770" cy="609127"/>
+            <a:off x="4534616" y="3284793"/>
+            <a:ext cx="1344265" cy="501668"/>
           </a:xfrm>
           <a:prstGeom prst="roundRect">
             <a:avLst/>
@@ -7691,11 +7702,12 @@
           <a:p>
             <a:pPr algn="ctr"/>
             <a:r>
-              <a:rPr lang="en-US" altLang="zh-CN">
+              <a:rPr lang="en-US" altLang="zh-CN" sz="1400">
                 <a:solidFill>
                   <a:schemeClr val="tx1"/>
                 </a:solidFill>
                 <a:latin typeface="Arial" panose="020B0604020202020204" pitchFamily="34" charset="0"/>
+                <a:ea typeface="Meiryo" panose="020B0604030504040204" pitchFamily="34" charset="-128"/>
                 <a:cs typeface="Arial" panose="020B0604020202020204" pitchFamily="34" charset="0"/>
               </a:rPr>
               <a:t>Block Extract</a:t>
@@ -7704,20 +7716,22 @@
           <a:p>
             <a:pPr algn="ctr"/>
             <a:r>
-              <a:rPr lang="en-US" altLang="zh-CN">
+              <a:rPr lang="en-US" altLang="zh-CN" sz="1400">
                 <a:solidFill>
                   <a:schemeClr val="tx1"/>
                 </a:solidFill>
                 <a:latin typeface="Arial" panose="020B0604020202020204" pitchFamily="34" charset="0"/>
+                <a:ea typeface="Meiryo" panose="020B0604030504040204" pitchFamily="34" charset="-128"/>
                 <a:cs typeface="Arial" panose="020B0604020202020204" pitchFamily="34" charset="0"/>
               </a:rPr>
               <a:t>(Function Call)</a:t>
             </a:r>
-            <a:endParaRPr lang="zh-CN" altLang="en-US">
+            <a:endParaRPr lang="zh-CN" altLang="en-US" sz="1400">
               <a:solidFill>
                 <a:schemeClr val="tx1"/>
               </a:solidFill>
               <a:latin typeface="Arial" panose="020B0604020202020204" pitchFamily="34" charset="0"/>
+              <a:ea typeface="Meiryo" panose="020B0604030504040204" pitchFamily="34" charset="-128"/>
               <a:cs typeface="Arial" panose="020B0604020202020204" pitchFamily="34" charset="0"/>
             </a:endParaRPr>
           </a:p>
@@ -7734,13 +7748,14 @@
           </p:cNvPr>
           <p:cNvCxnSpPr>
             <a:cxnSpLocks/>
+            <a:stCxn id="115" idx="3"/>
           </p:cNvCxnSpPr>
           <p:nvPr/>
         </p:nvCxnSpPr>
         <p:spPr>
           <a:xfrm>
-            <a:off x="7493238" y="3630425"/>
-            <a:ext cx="2876889" cy="0"/>
+            <a:off x="5878881" y="3535627"/>
+            <a:ext cx="4714518" cy="0"/>
           </a:xfrm>
           <a:prstGeom prst="line">
             <a:avLst/>
@@ -7780,512 +7795,8 @@
         </p:nvCxnSpPr>
         <p:spPr>
           <a:xfrm>
-            <a:off x="10370127" y="3630425"/>
-            <a:ext cx="0" cy="853659"/>
-          </a:xfrm>
-          <a:prstGeom prst="straightConnector1">
-            <a:avLst/>
-          </a:prstGeom>
-          <a:ln w="28575">
-            <a:prstDash val="dash"/>
-            <a:tailEnd type="triangle"/>
-          </a:ln>
-        </p:spPr>
-        <p:style>
-          <a:lnRef idx="1">
-            <a:schemeClr val="dk1"/>
-          </a:lnRef>
-          <a:fillRef idx="0">
-            <a:schemeClr val="dk1"/>
-          </a:fillRef>
-          <a:effectRef idx="0">
-            <a:schemeClr val="dk1"/>
-          </a:effectRef>
-          <a:fontRef idx="minor">
-            <a:schemeClr val="tx1"/>
-          </a:fontRef>
-        </p:style>
-      </p:cxnSp>
-      <p:grpSp>
-        <p:nvGrpSpPr>
-          <p:cNvPr id="1060" name="组合 1059">
-            <a:extLst>
-              <a:ext uri="{FF2B5EF4-FFF2-40B4-BE49-F238E27FC236}">
-                <a16:creationId xmlns:a16="http://schemas.microsoft.com/office/drawing/2014/main" id="{54D189B4-25E8-D06C-19A2-67E0A17DB2DB}"/>
-              </a:ext>
-            </a:extLst>
-          </p:cNvPr>
-          <p:cNvGrpSpPr/>
-          <p:nvPr/>
-        </p:nvGrpSpPr>
-        <p:grpSpPr>
-          <a:xfrm>
-            <a:off x="9598068" y="4518009"/>
-            <a:ext cx="1734227" cy="2141616"/>
-            <a:chOff x="9572734" y="4134655"/>
-            <a:chExt cx="1734227" cy="2141616"/>
-          </a:xfrm>
-        </p:grpSpPr>
-        <p:grpSp>
-          <p:nvGrpSpPr>
-            <p:cNvPr id="1033" name="组合 1032">
-              <a:extLst>
-                <a:ext uri="{FF2B5EF4-FFF2-40B4-BE49-F238E27FC236}">
-                  <a16:creationId xmlns:a16="http://schemas.microsoft.com/office/drawing/2014/main" id="{06E6E802-B663-23F6-DFBE-97F233AEE708}"/>
-                </a:ext>
-              </a:extLst>
-            </p:cNvPr>
-            <p:cNvGrpSpPr/>
-            <p:nvPr/>
-          </p:nvGrpSpPr>
-          <p:grpSpPr>
-            <a:xfrm>
-              <a:off x="9572734" y="4134655"/>
-              <a:ext cx="1634507" cy="1951893"/>
-              <a:chOff x="1134191" y="1977242"/>
-              <a:chExt cx="1634507" cy="1951893"/>
-            </a:xfrm>
-          </p:grpSpPr>
-          <p:sp>
-            <p:nvSpPr>
-              <p:cNvPr id="1034" name="矩形: 剪去单角 1033">
-                <a:extLst>
-                  <a:ext uri="{FF2B5EF4-FFF2-40B4-BE49-F238E27FC236}">
-                    <a16:creationId xmlns:a16="http://schemas.microsoft.com/office/drawing/2014/main" id="{B606856E-467C-014E-F077-9F99355BCF47}"/>
-                  </a:ext>
-                </a:extLst>
-              </p:cNvPr>
-              <p:cNvSpPr/>
-              <p:nvPr/>
-            </p:nvSpPr>
-            <p:spPr>
-              <a:xfrm>
-                <a:off x="1134191" y="2084392"/>
-                <a:ext cx="1634507" cy="1844743"/>
-              </a:xfrm>
-              <a:prstGeom prst="snip1Rect">
-                <a:avLst/>
-              </a:prstGeom>
-              <a:ln w="28575">
-                <a:solidFill>
-                  <a:schemeClr val="tx1"/>
-                </a:solidFill>
-              </a:ln>
-            </p:spPr>
-            <p:style>
-              <a:lnRef idx="2">
-                <a:schemeClr val="accent2"/>
-              </a:lnRef>
-              <a:fillRef idx="1">
-                <a:schemeClr val="lt1"/>
-              </a:fillRef>
-              <a:effectRef idx="0">
-                <a:schemeClr val="accent2"/>
-              </a:effectRef>
-              <a:fontRef idx="minor">
-                <a:schemeClr val="dk1"/>
-              </a:fontRef>
-            </p:style>
-            <p:txBody>
-              <a:bodyPr rtlCol="0" anchor="ctr"/>
-              <a:lstStyle/>
-              <a:p>
-                <a:pPr algn="ctr"/>
-                <a:endParaRPr lang="zh-CN" altLang="en-US">
-                  <a:latin typeface="Arial" panose="020B0604020202020204" pitchFamily="34" charset="0"/>
-                  <a:cs typeface="Arial" panose="020B0604020202020204" pitchFamily="34" charset="0"/>
-                </a:endParaRPr>
-              </a:p>
-            </p:txBody>
-          </p:sp>
-          <p:sp>
-            <p:nvSpPr>
-              <p:cNvPr id="1035" name="矩形 1034">
-                <a:extLst>
-                  <a:ext uri="{FF2B5EF4-FFF2-40B4-BE49-F238E27FC236}">
-                    <a16:creationId xmlns:a16="http://schemas.microsoft.com/office/drawing/2014/main" id="{8510BB4D-DC7A-4359-2118-6806C759696A}"/>
-                  </a:ext>
-                </a:extLst>
-              </p:cNvPr>
-              <p:cNvSpPr/>
-              <p:nvPr/>
-            </p:nvSpPr>
-            <p:spPr>
-              <a:xfrm>
-                <a:off x="1312224" y="1977242"/>
-                <a:ext cx="1062842" cy="314696"/>
-              </a:xfrm>
-              <a:prstGeom prst="rect">
-                <a:avLst/>
-              </a:prstGeom>
-              <a:solidFill>
-                <a:schemeClr val="bg1"/>
-              </a:solidFill>
-              <a:ln w="28575">
-                <a:solidFill>
-                  <a:schemeClr val="tx1"/>
-                </a:solidFill>
-              </a:ln>
-            </p:spPr>
-            <p:style>
-              <a:lnRef idx="2">
-                <a:schemeClr val="accent1">
-                  <a:shade val="15000"/>
-                </a:schemeClr>
-              </a:lnRef>
-              <a:fillRef idx="1">
-                <a:schemeClr val="accent1"/>
-              </a:fillRef>
-              <a:effectRef idx="0">
-                <a:schemeClr val="accent1"/>
-              </a:effectRef>
-              <a:fontRef idx="minor">
-                <a:schemeClr val="lt1"/>
-              </a:fontRef>
-            </p:style>
-            <p:txBody>
-              <a:bodyPr rtlCol="0" anchor="ctr"/>
-              <a:lstStyle/>
-              <a:p>
-                <a:pPr algn="ctr"/>
-                <a:r>
-                  <a:rPr lang="en-US" altLang="zh-CN">
-                    <a:solidFill>
-                      <a:schemeClr val="tx1"/>
-                    </a:solidFill>
-                    <a:latin typeface="Arial" panose="020B0604020202020204" pitchFamily="34" charset="0"/>
-                    <a:cs typeface="Arial" panose="020B0604020202020204" pitchFamily="34" charset="0"/>
-                  </a:rPr>
-                  <a:t>C Code</a:t>
-                </a:r>
-                <a:endParaRPr lang="zh-CN" altLang="en-US">
-                  <a:solidFill>
-                    <a:schemeClr val="tx1"/>
-                  </a:solidFill>
-                  <a:latin typeface="Arial" panose="020B0604020202020204" pitchFamily="34" charset="0"/>
-                  <a:cs typeface="Arial" panose="020B0604020202020204" pitchFamily="34" charset="0"/>
-                </a:endParaRPr>
-              </a:p>
-            </p:txBody>
-          </p:sp>
-          <p:sp>
-            <p:nvSpPr>
-              <p:cNvPr id="1039" name="矩形: 剪去单角 1038">
-                <a:extLst>
-                  <a:ext uri="{FF2B5EF4-FFF2-40B4-BE49-F238E27FC236}">
-                    <a16:creationId xmlns:a16="http://schemas.microsoft.com/office/drawing/2014/main" id="{5AC5DE7D-0B8D-FA18-7D2B-2A01F62B136E}"/>
-                  </a:ext>
-                </a:extLst>
-              </p:cNvPr>
-              <p:cNvSpPr/>
-              <p:nvPr/>
-            </p:nvSpPr>
-            <p:spPr>
-              <a:xfrm>
-                <a:off x="1203023" y="2358902"/>
-                <a:ext cx="1496839" cy="264833"/>
-              </a:xfrm>
-              <a:prstGeom prst="snip1Rect">
-                <a:avLst/>
-              </a:prstGeom>
-              <a:solidFill>
-                <a:schemeClr val="bg1"/>
-              </a:solidFill>
-              <a:ln w="19050">
-                <a:solidFill>
-                  <a:schemeClr val="tx1"/>
-                </a:solidFill>
-              </a:ln>
-            </p:spPr>
-            <p:style>
-              <a:lnRef idx="2">
-                <a:schemeClr val="accent1">
-                  <a:shade val="15000"/>
-                </a:schemeClr>
-              </a:lnRef>
-              <a:fillRef idx="1">
-                <a:schemeClr val="accent1"/>
-              </a:fillRef>
-              <a:effectRef idx="0">
-                <a:schemeClr val="accent1"/>
-              </a:effectRef>
-              <a:fontRef idx="minor">
-                <a:schemeClr val="lt1"/>
-              </a:fontRef>
-            </p:style>
-            <p:txBody>
-              <a:bodyPr rtlCol="0" anchor="ctr"/>
-              <a:lstStyle/>
-              <a:p>
-                <a:pPr algn="ctr"/>
-                <a:r>
-                  <a:rPr lang="en-US" altLang="zh-CN" sz="1200">
-                    <a:solidFill>
-                      <a:schemeClr val="tx1"/>
-                    </a:solidFill>
-                    <a:latin typeface="Arial" panose="020B0604020202020204" pitchFamily="34" charset="0"/>
-                    <a:cs typeface="Arial" panose="020B0604020202020204" pitchFamily="34" charset="0"/>
-                  </a:rPr>
-                  <a:t>Main_code.c</a:t>
-                </a:r>
-                <a:endParaRPr lang="zh-CN" altLang="en-US" sz="1200">
-                  <a:solidFill>
-                    <a:schemeClr val="tx1"/>
-                  </a:solidFill>
-                  <a:latin typeface="Arial" panose="020B0604020202020204" pitchFamily="34" charset="0"/>
-                  <a:cs typeface="Arial" panose="020B0604020202020204" pitchFamily="34" charset="0"/>
-                </a:endParaRPr>
-              </a:p>
-            </p:txBody>
-          </p:sp>
-          <p:sp>
-            <p:nvSpPr>
-              <p:cNvPr id="1040" name="文本框 1039">
-                <a:extLst>
-                  <a:ext uri="{FF2B5EF4-FFF2-40B4-BE49-F238E27FC236}">
-                    <a16:creationId xmlns:a16="http://schemas.microsoft.com/office/drawing/2014/main" id="{923D10AA-3969-48DA-6BB3-BFB34C7D457C}"/>
-                  </a:ext>
-                </a:extLst>
-              </p:cNvPr>
-              <p:cNvSpPr txBox="1"/>
-              <p:nvPr/>
-            </p:nvSpPr>
-            <p:spPr>
-              <a:xfrm>
-                <a:off x="1628276" y="3492430"/>
-                <a:ext cx="646331" cy="369332"/>
-              </a:xfrm>
-              <a:prstGeom prst="rect">
-                <a:avLst/>
-              </a:prstGeom>
-              <a:noFill/>
-            </p:spPr>
-            <p:txBody>
-              <a:bodyPr wrap="none" rtlCol="0">
-                <a:spAutoFit/>
-              </a:bodyPr>
-              <a:lstStyle/>
-              <a:p>
-                <a:r>
-                  <a:rPr lang="en-US" altLang="zh-CN">
-                    <a:latin typeface="Arial" panose="020B0604020202020204" pitchFamily="34" charset="0"/>
-                    <a:cs typeface="Arial" panose="020B0604020202020204" pitchFamily="34" charset="0"/>
-                  </a:rPr>
-                  <a:t>……</a:t>
-                </a:r>
-                <a:endParaRPr lang="zh-CN" altLang="en-US">
-                  <a:latin typeface="Arial" panose="020B0604020202020204" pitchFamily="34" charset="0"/>
-                  <a:cs typeface="Arial" panose="020B0604020202020204" pitchFamily="34" charset="0"/>
-                </a:endParaRPr>
-              </a:p>
-            </p:txBody>
-          </p:sp>
-        </p:grpSp>
-        <p:sp>
-          <p:nvSpPr>
-            <p:cNvPr id="1042" name="文本框 1041">
-              <a:extLst>
-                <a:ext uri="{FF2B5EF4-FFF2-40B4-BE49-F238E27FC236}">
-                  <a16:creationId xmlns:a16="http://schemas.microsoft.com/office/drawing/2014/main" id="{D4419EED-498A-0B97-483E-1959C7B830D5}"/>
-                </a:ext>
-              </a:extLst>
-            </p:cNvPr>
-            <p:cNvSpPr txBox="1"/>
-            <p:nvPr/>
-          </p:nvSpPr>
-          <p:spPr>
-            <a:xfrm>
-              <a:off x="9690475" y="4829721"/>
-              <a:ext cx="1616486" cy="1446550"/>
-            </a:xfrm>
-            <a:prstGeom prst="rect">
-              <a:avLst/>
-            </a:prstGeom>
-            <a:noFill/>
-          </p:spPr>
-          <p:txBody>
-            <a:bodyPr wrap="square" rtlCol="0">
-              <a:spAutoFit/>
-            </a:bodyPr>
-            <a:lstStyle/>
-            <a:p>
-              <a:r>
-                <a:rPr lang="en-US" altLang="zh-CN" sz="1100">
-                  <a:latin typeface="Arial" panose="020B0604020202020204" pitchFamily="34" charset="0"/>
-                  <a:cs typeface="Arial" panose="020B0604020202020204" pitchFamily="34" charset="0"/>
-                </a:rPr>
-                <a:t>#include “</a:t>
-              </a:r>
-              <a:r>
-                <a:rPr lang="en-US" altLang="zh-CN" sz="1100">
-                  <a:solidFill>
-                    <a:schemeClr val="tx1"/>
-                  </a:solidFill>
-                  <a:latin typeface="Arial" panose="020B0604020202020204" pitchFamily="34" charset="0"/>
-                  <a:cs typeface="Arial" panose="020B0604020202020204" pitchFamily="34" charset="0"/>
-                </a:rPr>
-                <a:t>Target.c</a:t>
-              </a:r>
-              <a:r>
-                <a:rPr lang="en-US" altLang="zh-CN" sz="1100">
-                  <a:latin typeface="Arial" panose="020B0604020202020204" pitchFamily="34" charset="0"/>
-                  <a:cs typeface="Arial" panose="020B0604020202020204" pitchFamily="34" charset="0"/>
-                </a:rPr>
-                <a:t>”</a:t>
-              </a:r>
-            </a:p>
-            <a:p>
-              <a:r>
-                <a:rPr lang="en-US" altLang="zh-CN" sz="1100">
-                  <a:latin typeface="Arial" panose="020B0604020202020204" pitchFamily="34" charset="0"/>
-                  <a:cs typeface="Arial" panose="020B0604020202020204" pitchFamily="34" charset="0"/>
-                </a:rPr>
-                <a:t>#include “</a:t>
-              </a:r>
-              <a:r>
-                <a:rPr lang="en-US" altLang="zh-CN" sz="1100">
-                  <a:solidFill>
-                    <a:schemeClr val="tx1"/>
-                  </a:solidFill>
-                  <a:latin typeface="Arial" panose="020B0604020202020204" pitchFamily="34" charset="0"/>
-                  <a:cs typeface="Arial" panose="020B0604020202020204" pitchFamily="34" charset="0"/>
-                </a:rPr>
-                <a:t>Target.h</a:t>
-              </a:r>
-              <a:r>
-                <a:rPr lang="en-US" altLang="zh-CN" sz="1100">
-                  <a:latin typeface="Arial" panose="020B0604020202020204" pitchFamily="34" charset="0"/>
-                  <a:cs typeface="Arial" panose="020B0604020202020204" pitchFamily="34" charset="0"/>
-                </a:rPr>
-                <a:t>”</a:t>
-              </a:r>
-            </a:p>
-            <a:p>
-              <a:endParaRPr lang="en-US" altLang="zh-CN" sz="1100">
-                <a:latin typeface="Arial" panose="020B0604020202020204" pitchFamily="34" charset="0"/>
-                <a:cs typeface="Arial" panose="020B0604020202020204" pitchFamily="34" charset="0"/>
-              </a:endParaRPr>
-            </a:p>
-            <a:p>
-              <a:r>
-                <a:rPr lang="en-US" altLang="zh-CN" sz="1100">
-                  <a:latin typeface="Arial" panose="020B0604020202020204" pitchFamily="34" charset="0"/>
-                  <a:cs typeface="Arial" panose="020B0604020202020204" pitchFamily="34" charset="0"/>
-                </a:rPr>
-                <a:t>Int</a:t>
-              </a:r>
-              <a:r>
-                <a:rPr lang="ja-JP" altLang="en-US" sz="1100">
-                  <a:latin typeface="Arial" panose="020B0604020202020204" pitchFamily="34" charset="0"/>
-                  <a:cs typeface="Arial" panose="020B0604020202020204" pitchFamily="34" charset="0"/>
-                </a:rPr>
-                <a:t> </a:t>
-              </a:r>
-              <a:r>
-                <a:rPr lang="en-US" altLang="ja-JP" sz="1100">
-                  <a:latin typeface="Arial" panose="020B0604020202020204" pitchFamily="34" charset="0"/>
-                  <a:cs typeface="Arial" panose="020B0604020202020204" pitchFamily="34" charset="0"/>
-                </a:rPr>
-                <a:t>main{</a:t>
-              </a:r>
-            </a:p>
-            <a:p>
-              <a:r>
-                <a:rPr lang="en-US" altLang="zh-CN" sz="1100">
-                  <a:latin typeface="Arial" panose="020B0604020202020204" pitchFamily="34" charset="0"/>
-                  <a:cs typeface="Arial" panose="020B0604020202020204" pitchFamily="34" charset="0"/>
-                </a:rPr>
-                <a:t>     function();</a:t>
-              </a:r>
-            </a:p>
-            <a:p>
-              <a:endParaRPr lang="en-US" altLang="zh-CN" sz="1100">
-                <a:latin typeface="Arial" panose="020B0604020202020204" pitchFamily="34" charset="0"/>
-                <a:cs typeface="Arial" panose="020B0604020202020204" pitchFamily="34" charset="0"/>
-              </a:endParaRPr>
-            </a:p>
-            <a:p>
-              <a:r>
-                <a:rPr lang="en-US" altLang="zh-CN" sz="1100">
-                  <a:latin typeface="Arial" panose="020B0604020202020204" pitchFamily="34" charset="0"/>
-                  <a:cs typeface="Arial" panose="020B0604020202020204" pitchFamily="34" charset="0"/>
-                </a:rPr>
-                <a:t>}</a:t>
-              </a:r>
-            </a:p>
-            <a:p>
-              <a:r>
-                <a:rPr lang="en-US" altLang="zh-CN" sz="1100">
-                  <a:latin typeface="Arial" panose="020B0604020202020204" pitchFamily="34" charset="0"/>
-                  <a:cs typeface="Arial" panose="020B0604020202020204" pitchFamily="34" charset="0"/>
-                </a:rPr>
-                <a:t>            </a:t>
-              </a:r>
-            </a:p>
-          </p:txBody>
-        </p:sp>
-      </p:grpSp>
-      <p:sp>
-        <p:nvSpPr>
-          <p:cNvPr id="1044" name="文本框 1043">
-            <a:extLst>
-              <a:ext uri="{FF2B5EF4-FFF2-40B4-BE49-F238E27FC236}">
-                <a16:creationId xmlns:a16="http://schemas.microsoft.com/office/drawing/2014/main" id="{C7EBCC93-EFBB-CE29-F08B-FB2D54E22B76}"/>
-              </a:ext>
-            </a:extLst>
-          </p:cNvPr>
-          <p:cNvSpPr txBox="1"/>
-          <p:nvPr/>
-        </p:nvSpPr>
-        <p:spPr>
-          <a:xfrm>
-            <a:off x="10043049" y="4979836"/>
-            <a:ext cx="646331" cy="369332"/>
-          </a:xfrm>
-          <a:prstGeom prst="rect">
-            <a:avLst/>
-          </a:prstGeom>
-          <a:noFill/>
-        </p:spPr>
-        <p:txBody>
-          <a:bodyPr wrap="none" rtlCol="0">
-            <a:spAutoFit/>
-          </a:bodyPr>
-          <a:lstStyle/>
-          <a:p>
-            <a:r>
-              <a:rPr lang="en-US" altLang="zh-CN">
-                <a:latin typeface="Arial" panose="020B0604020202020204" pitchFamily="34" charset="0"/>
-                <a:cs typeface="Arial" panose="020B0604020202020204" pitchFamily="34" charset="0"/>
-              </a:rPr>
-              <a:t>……</a:t>
-            </a:r>
-            <a:endParaRPr lang="zh-CN" altLang="en-US">
-              <a:latin typeface="Arial" panose="020B0604020202020204" pitchFamily="34" charset="0"/>
-              <a:cs typeface="Arial" panose="020B0604020202020204" pitchFamily="34" charset="0"/>
-            </a:endParaRPr>
-          </a:p>
-        </p:txBody>
-      </p:sp>
-      <p:cxnSp>
-        <p:nvCxnSpPr>
-          <p:cNvPr id="1047" name="直接箭头连接符 1046">
-            <a:extLst>
-              <a:ext uri="{FF2B5EF4-FFF2-40B4-BE49-F238E27FC236}">
-                <a16:creationId xmlns:a16="http://schemas.microsoft.com/office/drawing/2014/main" id="{C78CCD3F-45B6-55C5-5CAF-D18F0E9CD973}"/>
-              </a:ext>
-            </a:extLst>
-          </p:cNvPr>
-          <p:cNvCxnSpPr>
-            <a:cxnSpLocks/>
-            <a:stCxn id="1034" idx="2"/>
-          </p:cNvCxnSpPr>
-          <p:nvPr/>
-        </p:nvCxnSpPr>
-        <p:spPr>
-          <a:xfrm flipH="1">
-            <a:off x="7831835" y="5547531"/>
-            <a:ext cx="1766233" cy="13926"/>
+            <a:off x="10587950" y="3535627"/>
+            <a:ext cx="5449" cy="891879"/>
           </a:xfrm>
           <a:prstGeom prst="straightConnector1">
             <a:avLst/>
@@ -8324,10 +7835,10 @@
         </p:nvGrpSpPr>
         <p:grpSpPr>
           <a:xfrm>
-            <a:off x="6197328" y="4505374"/>
-            <a:ext cx="1654814" cy="1973791"/>
+            <a:off x="7078316" y="4461397"/>
+            <a:ext cx="1349029" cy="1635471"/>
             <a:chOff x="6719639" y="4122020"/>
-            <a:chExt cx="1654814" cy="1973791"/>
+            <a:chExt cx="1654814" cy="1985794"/>
           </a:xfrm>
         </p:grpSpPr>
         <p:grpSp>
@@ -8397,6 +7908,7 @@
                 <a:pPr algn="ctr"/>
                 <a:endParaRPr lang="zh-CN" altLang="en-US">
                   <a:latin typeface="Arial" panose="020B0604020202020204" pitchFamily="34" charset="0"/>
+                  <a:ea typeface="Meiryo" panose="020B0604030504040204" pitchFamily="34" charset="-128"/>
                   <a:cs typeface="Arial" panose="020B0604020202020204" pitchFamily="34" charset="0"/>
                 </a:endParaRPr>
               </a:p>
@@ -8453,20 +7965,22 @@
               <a:p>
                 <a:pPr algn="ctr"/>
                 <a:r>
-                  <a:rPr lang="en-US" altLang="zh-CN">
+                  <a:rPr lang="en-US" altLang="zh-CN" sz="1400">
                     <a:solidFill>
                       <a:schemeClr val="tx1"/>
                     </a:solidFill>
                     <a:latin typeface="Arial" panose="020B0604020202020204" pitchFamily="34" charset="0"/>
+                    <a:ea typeface="Meiryo" panose="020B0604030504040204" pitchFamily="34" charset="-128"/>
                     <a:cs typeface="Arial" panose="020B0604020202020204" pitchFamily="34" charset="0"/>
                   </a:rPr>
                   <a:t>LLVM-IR</a:t>
                 </a:r>
-                <a:endParaRPr lang="zh-CN" altLang="en-US">
+                <a:endParaRPr lang="zh-CN" altLang="en-US" sz="1400">
                   <a:solidFill>
                     <a:schemeClr val="tx1"/>
                   </a:solidFill>
                   <a:latin typeface="Arial" panose="020B0604020202020204" pitchFamily="34" charset="0"/>
+                  <a:ea typeface="Meiryo" panose="020B0604030504040204" pitchFamily="34" charset="-128"/>
                   <a:cs typeface="Arial" panose="020B0604020202020204" pitchFamily="34" charset="0"/>
                 </a:endParaRPr>
               </a:p>
@@ -8529,6 +8043,7 @@
                     <a:schemeClr val="tx1"/>
                   </a:solidFill>
                   <a:latin typeface="Arial" panose="020B0604020202020204" pitchFamily="34" charset="0"/>
+                  <a:ea typeface="Meiryo" panose="020B0604030504040204" pitchFamily="34" charset="-128"/>
                   <a:cs typeface="Arial" panose="020B0604020202020204" pitchFamily="34" charset="0"/>
                 </a:rPr>
                 <a:t>Main_code.ll</a:t>
@@ -8538,6 +8053,7 @@
                   <a:schemeClr val="tx1"/>
                 </a:solidFill>
                 <a:latin typeface="Arial" panose="020B0604020202020204" pitchFamily="34" charset="0"/>
+                <a:ea typeface="Meiryo" panose="020B0604030504040204" pitchFamily="34" charset="-128"/>
                 <a:cs typeface="Arial" panose="020B0604020202020204" pitchFamily="34" charset="0"/>
               </a:endParaRPr>
             </a:p>
@@ -8557,8 +8073,8 @@
           </p:nvSpPr>
           <p:spPr>
             <a:xfrm>
-              <a:off x="6757967" y="4818538"/>
-              <a:ext cx="1616486" cy="1277273"/>
+              <a:off x="6757968" y="4818538"/>
+              <a:ext cx="1616485" cy="1289276"/>
             </a:xfrm>
             <a:prstGeom prst="rect">
               <a:avLst/>
@@ -8571,15 +8087,17 @@
             </a:bodyPr>
             <a:lstStyle/>
             <a:p>
-              <a:endParaRPr lang="en-US" altLang="zh-CN" sz="1100">
+              <a:endParaRPr lang="en-US" altLang="zh-CN" sz="900">
                 <a:latin typeface="Arial" panose="020B0604020202020204" pitchFamily="34" charset="0"/>
+                <a:ea typeface="Meiryo" panose="020B0604030504040204" pitchFamily="34" charset="-128"/>
                 <a:cs typeface="Arial" panose="020B0604020202020204" pitchFamily="34" charset="0"/>
               </a:endParaRPr>
             </a:p>
             <a:p>
               <a:r>
-                <a:rPr lang="en-US" altLang="zh-CN" sz="1100">
+                <a:rPr lang="en-US" altLang="zh-CN" sz="900">
                   <a:latin typeface="Arial" panose="020B0604020202020204" pitchFamily="34" charset="0"/>
+                  <a:ea typeface="Meiryo" panose="020B0604030504040204" pitchFamily="34" charset="-128"/>
                   <a:cs typeface="Arial" panose="020B0604020202020204" pitchFamily="34" charset="0"/>
                 </a:rPr>
                 <a:t>load volatile</a:t>
@@ -8587,8 +8105,9 @@
             </a:p>
             <a:p>
               <a:r>
-                <a:rPr lang="en-US" altLang="zh-CN" sz="1100">
+                <a:rPr lang="en-US" altLang="zh-CN" sz="900">
                   <a:latin typeface="Arial" panose="020B0604020202020204" pitchFamily="34" charset="0"/>
+                  <a:ea typeface="Meiryo" panose="020B0604030504040204" pitchFamily="34" charset="-128"/>
                   <a:cs typeface="Arial" panose="020B0604020202020204" pitchFamily="34" charset="0"/>
                 </a:rPr>
                 <a:t>load volatile</a:t>
@@ -8596,8 +8115,9 @@
             </a:p>
             <a:p>
               <a:r>
-                <a:rPr lang="en-US" altLang="zh-CN" sz="1100">
+                <a:rPr lang="en-US" altLang="zh-CN" sz="900">
                   <a:latin typeface="Arial" panose="020B0604020202020204" pitchFamily="34" charset="0"/>
+                  <a:ea typeface="Meiryo" panose="020B0604030504040204" pitchFamily="34" charset="-128"/>
                   <a:cs typeface="Arial" panose="020B0604020202020204" pitchFamily="34" charset="0"/>
                 </a:rPr>
                 <a:t>add i32 %15, %16</a:t>
@@ -8605,8 +8125,9 @@
             </a:p>
             <a:p>
               <a:r>
-                <a:rPr lang="en-US" altLang="zh-CN" sz="1100">
+                <a:rPr lang="en-US" altLang="zh-CN" sz="900">
                   <a:latin typeface="Arial" panose="020B0604020202020204" pitchFamily="34" charset="0"/>
+                  <a:ea typeface="Meiryo" panose="020B0604030504040204" pitchFamily="34" charset="-128"/>
                   <a:cs typeface="Arial" panose="020B0604020202020204" pitchFamily="34" charset="0"/>
                 </a:rPr>
                 <a:t>store volatile i32 %17, i32* %7, align 4</a:t>
@@ -8614,8 +8135,9 @@
             </a:p>
             <a:p>
               <a:r>
-                <a:rPr lang="en-US" altLang="zh-CN" sz="1100">
+                <a:rPr lang="en-US" altLang="zh-CN" sz="900">
                   <a:latin typeface="Arial" panose="020B0604020202020204" pitchFamily="34" charset="0"/>
+                  <a:ea typeface="Meiryo" panose="020B0604030504040204" pitchFamily="34" charset="-128"/>
                   <a:cs typeface="Arial" panose="020B0604020202020204" pitchFamily="34" charset="0"/>
                 </a:rPr>
                 <a:t>            </a:t>
@@ -8638,8 +8160,8 @@
         </p:nvSpPr>
         <p:spPr>
           <a:xfrm>
-            <a:off x="6663882" y="5069046"/>
-            <a:ext cx="646331" cy="369332"/>
+            <a:off x="7468847" y="5001362"/>
+            <a:ext cx="415498" cy="230832"/>
           </a:xfrm>
           <a:prstGeom prst="rect">
             <a:avLst/>
@@ -8653,14 +8175,16 @@
           <a:lstStyle/>
           <a:p>
             <a:r>
-              <a:rPr lang="en-US" altLang="zh-CN">
+              <a:rPr lang="en-US" altLang="zh-CN" sz="900">
                 <a:latin typeface="Arial" panose="020B0604020202020204" pitchFamily="34" charset="0"/>
+                <a:ea typeface="Meiryo" panose="020B0604030504040204" pitchFamily="34" charset="-128"/>
                 <a:cs typeface="Arial" panose="020B0604020202020204" pitchFamily="34" charset="0"/>
               </a:rPr>
               <a:t>……</a:t>
             </a:r>
-            <a:endParaRPr lang="zh-CN" altLang="en-US">
+            <a:endParaRPr lang="zh-CN" altLang="en-US" sz="900">
               <a:latin typeface="Arial" panose="020B0604020202020204" pitchFamily="34" charset="0"/>
+              <a:ea typeface="Meiryo" panose="020B0604030504040204" pitchFamily="34" charset="-128"/>
               <a:cs typeface="Arial" panose="020B0604020202020204" pitchFamily="34" charset="0"/>
             </a:endParaRPr>
           </a:p>
@@ -8680,8 +8204,8 @@
         </p:nvSpPr>
         <p:spPr>
           <a:xfrm>
-            <a:off x="6674736" y="6099243"/>
-            <a:ext cx="646331" cy="369332"/>
+            <a:off x="7477695" y="5849818"/>
+            <a:ext cx="415498" cy="230832"/>
           </a:xfrm>
           <a:prstGeom prst="rect">
             <a:avLst/>
@@ -8695,101 +8219,21 @@
           <a:lstStyle/>
           <a:p>
             <a:r>
-              <a:rPr lang="en-US" altLang="zh-CN">
+              <a:rPr lang="en-US" altLang="zh-CN" sz="900">
                 <a:latin typeface="Arial" panose="020B0604020202020204" pitchFamily="34" charset="0"/>
+                <a:ea typeface="Meiryo" panose="020B0604030504040204" pitchFamily="34" charset="-128"/>
                 <a:cs typeface="Arial" panose="020B0604020202020204" pitchFamily="34" charset="0"/>
               </a:rPr>
               <a:t>……</a:t>
             </a:r>
-            <a:endParaRPr lang="zh-CN" altLang="en-US">
+            <a:endParaRPr lang="zh-CN" altLang="en-US" sz="900">
               <a:latin typeface="Arial" panose="020B0604020202020204" pitchFamily="34" charset="0"/>
+              <a:ea typeface="Meiryo" panose="020B0604030504040204" pitchFamily="34" charset="-128"/>
               <a:cs typeface="Arial" panose="020B0604020202020204" pitchFamily="34" charset="0"/>
             </a:endParaRPr>
           </a:p>
         </p:txBody>
       </p:sp>
-      <p:cxnSp>
-        <p:nvCxnSpPr>
-          <p:cNvPr id="1085" name="直接箭头连接符 1084">
-            <a:extLst>
-              <a:ext uri="{FF2B5EF4-FFF2-40B4-BE49-F238E27FC236}">
-                <a16:creationId xmlns:a16="http://schemas.microsoft.com/office/drawing/2014/main" id="{8C51272B-A98F-06A7-4E66-A59BCF8CF649}"/>
-              </a:ext>
-            </a:extLst>
-          </p:cNvPr>
-          <p:cNvCxnSpPr>
-            <a:cxnSpLocks/>
-          </p:cNvCxnSpPr>
-          <p:nvPr/>
-        </p:nvCxnSpPr>
-        <p:spPr>
-          <a:xfrm flipH="1">
-            <a:off x="4981195" y="5541717"/>
-            <a:ext cx="1196969" cy="0"/>
-          </a:xfrm>
-          <a:prstGeom prst="straightConnector1">
-            <a:avLst/>
-          </a:prstGeom>
-          <a:ln w="28575">
-            <a:tailEnd type="triangle"/>
-          </a:ln>
-        </p:spPr>
-        <p:style>
-          <a:lnRef idx="1">
-            <a:schemeClr val="dk1"/>
-          </a:lnRef>
-          <a:fillRef idx="0">
-            <a:schemeClr val="dk1"/>
-          </a:fillRef>
-          <a:effectRef idx="0">
-            <a:schemeClr val="dk1"/>
-          </a:effectRef>
-          <a:fontRef idx="minor">
-            <a:schemeClr val="tx1"/>
-          </a:fontRef>
-        </p:style>
-      </p:cxnSp>
-      <p:cxnSp>
-        <p:nvCxnSpPr>
-          <p:cNvPr id="1087" name="直接箭头连接符 1086">
-            <a:extLst>
-              <a:ext uri="{FF2B5EF4-FFF2-40B4-BE49-F238E27FC236}">
-                <a16:creationId xmlns:a16="http://schemas.microsoft.com/office/drawing/2014/main" id="{4DD05CEA-8A78-6542-4EDE-06C688AA6F05}"/>
-              </a:ext>
-            </a:extLst>
-          </p:cNvPr>
-          <p:cNvCxnSpPr>
-            <a:cxnSpLocks/>
-          </p:cNvCxnSpPr>
-          <p:nvPr/>
-        </p:nvCxnSpPr>
-        <p:spPr>
-          <a:xfrm flipV="1">
-            <a:off x="2369477" y="5561457"/>
-            <a:ext cx="995637" cy="1595"/>
-          </a:xfrm>
-          <a:prstGeom prst="straightConnector1">
-            <a:avLst/>
-          </a:prstGeom>
-          <a:ln w="28575">
-            <a:tailEnd type="triangle"/>
-          </a:ln>
-        </p:spPr>
-        <p:style>
-          <a:lnRef idx="1">
-            <a:schemeClr val="dk1"/>
-          </a:lnRef>
-          <a:fillRef idx="0">
-            <a:schemeClr val="dk1"/>
-          </a:fillRef>
-          <a:effectRef idx="0">
-            <a:schemeClr val="dk1"/>
-          </a:effectRef>
-          <a:fontRef idx="minor">
-            <a:schemeClr val="tx1"/>
-          </a:fontRef>
-        </p:style>
-      </p:cxnSp>
       <p:sp>
         <p:nvSpPr>
           <p:cNvPr id="1090" name="文本框 1089">
@@ -8804,8 +8248,8 @@
         </p:nvSpPr>
         <p:spPr>
           <a:xfrm>
-            <a:off x="7926308" y="4987842"/>
-            <a:ext cx="1595309" cy="584775"/>
+            <a:off x="8463789" y="4740977"/>
+            <a:ext cx="1418978" cy="523220"/>
           </a:xfrm>
           <a:prstGeom prst="rect">
             <a:avLst/>
@@ -8820,8 +8264,9 @@
           <a:p>
             <a:pPr algn="ctr"/>
             <a:r>
-              <a:rPr lang="en-US" altLang="zh-CN" sz="1600">
+              <a:rPr lang="en-US" altLang="zh-CN" sz="1400">
                 <a:latin typeface="Arial" panose="020B0604020202020204" pitchFamily="34" charset="0"/>
+                <a:ea typeface="Meiryo" panose="020B0604030504040204" pitchFamily="34" charset="-128"/>
                 <a:cs typeface="Arial" panose="020B0604020202020204" pitchFamily="34" charset="0"/>
               </a:rPr>
               <a:t>Tool:</a:t>
@@ -8829,14 +8274,16 @@
           </a:p>
           <a:p>
             <a:r>
-              <a:rPr lang="en-US" altLang="zh-CN" sz="1600">
+              <a:rPr lang="en-US" altLang="zh-CN" sz="1400">
                 <a:latin typeface="Arial" panose="020B0604020202020204" pitchFamily="34" charset="0"/>
+                <a:ea typeface="Meiryo" panose="020B0604030504040204" pitchFamily="34" charset="-128"/>
                 <a:cs typeface="Arial" panose="020B0604020202020204" pitchFamily="34" charset="0"/>
               </a:rPr>
               <a:t>Clang Compiler</a:t>
             </a:r>
-            <a:endParaRPr lang="zh-CN" altLang="en-US" sz="1600">
+            <a:endParaRPr lang="zh-CN" altLang="en-US" sz="1400">
               <a:latin typeface="Arial" panose="020B0604020202020204" pitchFamily="34" charset="0"/>
+              <a:ea typeface="Meiryo" panose="020B0604030504040204" pitchFamily="34" charset="-128"/>
               <a:cs typeface="Arial" panose="020B0604020202020204" pitchFamily="34" charset="0"/>
             </a:endParaRPr>
           </a:p>
@@ -8844,10 +8291,10 @@
       </p:sp>
       <p:grpSp>
         <p:nvGrpSpPr>
-          <p:cNvPr id="1102" name="组合 1101">
+          <p:cNvPr id="122" name="组合 121">
             <a:extLst>
               <a:ext uri="{FF2B5EF4-FFF2-40B4-BE49-F238E27FC236}">
-                <a16:creationId xmlns:a16="http://schemas.microsoft.com/office/drawing/2014/main" id="{0235B7ED-35C2-586F-47B9-7F2048A18A43}"/>
+                <a16:creationId xmlns:a16="http://schemas.microsoft.com/office/drawing/2014/main" id="{73CA1272-BBD4-0EA9-1530-D0688E978C31}"/>
               </a:ext>
             </a:extLst>
           </p:cNvPr>
@@ -8856,10 +8303,10 @@
         </p:nvGrpSpPr>
         <p:grpSpPr>
           <a:xfrm>
-            <a:off x="3365114" y="4484084"/>
-            <a:ext cx="1634507" cy="1952711"/>
-            <a:chOff x="3216261" y="4133837"/>
-            <a:chExt cx="1634507" cy="1952711"/>
+            <a:off x="4225758" y="4488644"/>
+            <a:ext cx="1332475" cy="1608224"/>
+            <a:chOff x="3066651" y="4608980"/>
+            <a:chExt cx="1332475" cy="1608224"/>
           </a:xfrm>
         </p:grpSpPr>
         <p:sp>
@@ -8876,8 +8323,8 @@
           </p:nvSpPr>
           <p:spPr>
             <a:xfrm>
-              <a:off x="3216261" y="4133837"/>
-              <a:ext cx="1634507" cy="1952711"/>
+              <a:off x="3066651" y="4608980"/>
+              <a:ext cx="1332475" cy="1608224"/>
             </a:xfrm>
             <a:prstGeom prst="rect">
               <a:avLst/>
@@ -8914,6 +8361,7 @@
               <a:pPr algn="ctr"/>
               <a:endParaRPr lang="zh-CN" altLang="en-US">
                 <a:latin typeface="Arial" panose="020B0604020202020204" pitchFamily="34" charset="0"/>
+                <a:ea typeface="Meiryo" panose="020B0604030504040204" pitchFamily="34" charset="-128"/>
                 <a:cs typeface="Arial" panose="020B0604020202020204" pitchFamily="34" charset="0"/>
               </a:endParaRPr>
             </a:p>
@@ -8935,8 +8383,8 @@
           </p:nvCxnSpPr>
           <p:spPr>
             <a:xfrm>
-              <a:off x="3216261" y="4516315"/>
-              <a:ext cx="1634507" cy="0"/>
+              <a:off x="3066651" y="4923983"/>
+              <a:ext cx="1332475" cy="0"/>
             </a:xfrm>
             <a:prstGeom prst="line">
               <a:avLst/>
@@ -8976,8 +8424,8 @@
           </p:nvSpPr>
           <p:spPr>
             <a:xfrm>
-              <a:off x="3229060" y="4155799"/>
-              <a:ext cx="1602762" cy="338554"/>
+              <a:off x="3077085" y="4627068"/>
+              <a:ext cx="1306596" cy="307777"/>
             </a:xfrm>
             <a:prstGeom prst="rect">
               <a:avLst/>
@@ -8992,8 +8440,9 @@
             <a:p>
               <a:pPr algn="ctr"/>
               <a:r>
-                <a:rPr lang="en-US" altLang="zh-CN" sz="1600">
+                <a:rPr lang="en-US" altLang="zh-CN" sz="1400">
                   <a:latin typeface="Arial" panose="020B0604020202020204" pitchFamily="34" charset="0"/>
+                  <a:ea typeface="Meiryo" panose="020B0604030504040204" pitchFamily="34" charset="-128"/>
                   <a:cs typeface="Arial" panose="020B0604020202020204" pitchFamily="34" charset="0"/>
                 </a:rPr>
                 <a:t>powerPreditor</a:t>
@@ -9015,8 +8464,8 @@
           </p:nvSpPr>
           <p:spPr>
             <a:xfrm>
-              <a:off x="3321573" y="4604488"/>
-              <a:ext cx="1427072" cy="294303"/>
+              <a:off x="3099444" y="4990624"/>
+              <a:ext cx="1266888" cy="250618"/>
             </a:xfrm>
             <a:prstGeom prst="roundRect">
               <a:avLst/>
@@ -9055,6 +8504,7 @@
                     <a:schemeClr val="tx1"/>
                   </a:solidFill>
                   <a:latin typeface="Arial" panose="020B0604020202020204" pitchFamily="34" charset="0"/>
+                  <a:ea typeface="Meiryo" panose="020B0604030504040204" pitchFamily="34" charset="-128"/>
                   <a:cs typeface="Arial" panose="020B0604020202020204" pitchFamily="34" charset="0"/>
                 </a:rPr>
                 <a:t>Loop Extraction</a:t>
@@ -9064,6 +8514,7 @@
                   <a:schemeClr val="tx1"/>
                 </a:solidFill>
                 <a:latin typeface="Arial" panose="020B0604020202020204" pitchFamily="34" charset="0"/>
+                <a:ea typeface="Meiryo" panose="020B0604030504040204" pitchFamily="34" charset="-128"/>
                 <a:cs typeface="Arial" panose="020B0604020202020204" pitchFamily="34" charset="0"/>
               </a:endParaRPr>
             </a:p>
@@ -9083,8 +8534,8 @@
           </p:nvSpPr>
           <p:spPr>
             <a:xfrm>
-              <a:off x="3329718" y="4963043"/>
-              <a:ext cx="1427072" cy="294303"/>
+              <a:off x="3097897" y="5291902"/>
+              <a:ext cx="1268435" cy="242384"/>
             </a:xfrm>
             <a:prstGeom prst="roundRect">
               <a:avLst/>
@@ -9123,6 +8574,7 @@
                     <a:schemeClr val="tx1"/>
                   </a:solidFill>
                   <a:latin typeface="Arial" panose="020B0604020202020204" pitchFamily="34" charset="0"/>
+                  <a:ea typeface="Meiryo" panose="020B0604030504040204" pitchFamily="34" charset="-128"/>
                   <a:cs typeface="Arial" panose="020B0604020202020204" pitchFamily="34" charset="0"/>
                 </a:rPr>
                 <a:t>Code Analysis</a:t>
@@ -9132,6 +8584,7 @@
                   <a:schemeClr val="tx1"/>
                 </a:solidFill>
                 <a:latin typeface="Arial" panose="020B0604020202020204" pitchFamily="34" charset="0"/>
+                <a:ea typeface="Meiryo" panose="020B0604030504040204" pitchFamily="34" charset="-128"/>
                 <a:cs typeface="Arial" panose="020B0604020202020204" pitchFamily="34" charset="0"/>
               </a:endParaRPr>
             </a:p>
@@ -9151,8 +8604,8 @@
           </p:nvSpPr>
           <p:spPr>
             <a:xfrm>
-              <a:off x="3333251" y="5334547"/>
-              <a:ext cx="1427072" cy="294303"/>
+              <a:off x="3097897" y="5597867"/>
+              <a:ext cx="1268435" cy="242384"/>
             </a:xfrm>
             <a:prstGeom prst="roundRect">
               <a:avLst/>
@@ -9191,6 +8644,7 @@
                     <a:schemeClr val="tx1"/>
                   </a:solidFill>
                   <a:latin typeface="Arial" panose="020B0604020202020204" pitchFamily="34" charset="0"/>
+                  <a:ea typeface="Meiryo" panose="020B0604030504040204" pitchFamily="34" charset="-128"/>
                   <a:cs typeface="Arial" panose="020B0604020202020204" pitchFamily="34" charset="0"/>
                 </a:rPr>
                 <a:t>Data Edit</a:t>
@@ -9200,6 +8654,7 @@
                   <a:schemeClr val="tx1"/>
                 </a:solidFill>
                 <a:latin typeface="Arial" panose="020B0604020202020204" pitchFamily="34" charset="0"/>
+                <a:ea typeface="Meiryo" panose="020B0604030504040204" pitchFamily="34" charset="-128"/>
                 <a:cs typeface="Arial" panose="020B0604020202020204" pitchFamily="34" charset="0"/>
               </a:endParaRPr>
             </a:p>
@@ -9219,8 +8674,8 @@
           </p:nvSpPr>
           <p:spPr>
             <a:xfrm>
-              <a:off x="3339946" y="5704073"/>
-              <a:ext cx="1427072" cy="294303"/>
+              <a:off x="3094157" y="5902203"/>
+              <a:ext cx="1272175" cy="242384"/>
             </a:xfrm>
             <a:prstGeom prst="roundRect">
               <a:avLst/>
@@ -9259,6 +8714,7 @@
                     <a:schemeClr val="tx1"/>
                   </a:solidFill>
                   <a:latin typeface="Arial" panose="020B0604020202020204" pitchFamily="34" charset="0"/>
+                  <a:ea typeface="Meiryo" panose="020B0604030504040204" pitchFamily="34" charset="-128"/>
                   <a:cs typeface="Arial" panose="020B0604020202020204" pitchFamily="34" charset="0"/>
                 </a:rPr>
                 <a:t>Cost Estimate</a:t>
@@ -9268,6 +8724,7 @@
                   <a:schemeClr val="tx1"/>
                 </a:solidFill>
                 <a:latin typeface="Arial" panose="020B0604020202020204" pitchFamily="34" charset="0"/>
+                <a:ea typeface="Meiryo" panose="020B0604030504040204" pitchFamily="34" charset="-128"/>
                 <a:cs typeface="Arial" panose="020B0604020202020204" pitchFamily="34" charset="0"/>
               </a:endParaRPr>
             </a:p>
@@ -9285,14 +8742,13 @@
           </p:cNvPr>
           <p:cNvCxnSpPr>
             <a:cxnSpLocks/>
-            <a:stCxn id="1084" idx="0"/>
           </p:cNvCxnSpPr>
           <p:nvPr/>
         </p:nvCxnSpPr>
         <p:spPr>
-          <a:xfrm flipV="1">
-            <a:off x="4182368" y="3976687"/>
-            <a:ext cx="0" cy="507397"/>
+          <a:xfrm flipH="1" flipV="1">
+            <a:off x="3553321" y="4071862"/>
+            <a:ext cx="1336030" cy="1"/>
           </a:xfrm>
           <a:prstGeom prst="straightConnector1">
             <a:avLst/>
@@ -9331,8 +8787,8 @@
         </p:nvSpPr>
         <p:spPr>
           <a:xfrm>
-            <a:off x="7949551" y="547079"/>
-            <a:ext cx="1433350" cy="288818"/>
+            <a:off x="8824659" y="793141"/>
+            <a:ext cx="1168488" cy="237866"/>
           </a:xfrm>
           <a:prstGeom prst="roundRect">
             <a:avLst/>
@@ -9366,20 +8822,22 @@
           <a:p>
             <a:pPr algn="ctr"/>
             <a:r>
-              <a:rPr lang="en-US" altLang="zh-CN" sz="1600" dirty="0">
+              <a:rPr lang="en-US" altLang="zh-CN" sz="1400" dirty="0">
                 <a:solidFill>
                   <a:schemeClr val="tx1"/>
                 </a:solidFill>
                 <a:latin typeface="Arial" panose="020B0604020202020204" pitchFamily="34" charset="0"/>
+                <a:ea typeface="Meiryo" panose="020B0604030504040204" pitchFamily="34" charset="-128"/>
                 <a:cs typeface="Arial" panose="020B0604020202020204" pitchFamily="34" charset="0"/>
               </a:rPr>
               <a:t>Processing</a:t>
             </a:r>
-            <a:endParaRPr lang="zh-CN" altLang="en-US" sz="1600" dirty="0">
+            <a:endParaRPr lang="zh-CN" altLang="en-US" sz="1400" dirty="0">
               <a:solidFill>
                 <a:schemeClr val="tx1"/>
               </a:solidFill>
               <a:latin typeface="Arial" panose="020B0604020202020204" pitchFamily="34" charset="0"/>
+              <a:ea typeface="Meiryo" panose="020B0604030504040204" pitchFamily="34" charset="-128"/>
               <a:cs typeface="Arial" panose="020B0604020202020204" pitchFamily="34" charset="0"/>
             </a:endParaRPr>
           </a:p>
@@ -9399,8 +8857,8 @@
         </p:nvSpPr>
         <p:spPr>
           <a:xfrm>
-            <a:off x="7949551" y="923631"/>
-            <a:ext cx="1433350" cy="293578"/>
+            <a:off x="8824659" y="1103264"/>
+            <a:ext cx="1168488" cy="241787"/>
           </a:xfrm>
           <a:prstGeom prst="rect">
             <a:avLst/>
@@ -9436,20 +8894,22 @@
           <a:p>
             <a:pPr algn="ctr"/>
             <a:r>
-              <a:rPr lang="en-US" altLang="zh-CN" sz="1600" dirty="0">
+              <a:rPr lang="en-US" altLang="zh-CN" sz="1400" dirty="0">
                 <a:solidFill>
                   <a:schemeClr val="tx1"/>
                 </a:solidFill>
                 <a:latin typeface="Arial" panose="020B0604020202020204" pitchFamily="34" charset="0"/>
+                <a:ea typeface="Meiryo" panose="020B0604030504040204" pitchFamily="34" charset="-128"/>
                 <a:cs typeface="Arial" panose="020B0604020202020204" pitchFamily="34" charset="0"/>
               </a:rPr>
               <a:t>Tool</a:t>
             </a:r>
-            <a:endParaRPr lang="zh-CN" altLang="en-US" sz="1600" dirty="0">
+            <a:endParaRPr lang="zh-CN" altLang="en-US" sz="1400" dirty="0">
               <a:solidFill>
                 <a:schemeClr val="tx1"/>
               </a:solidFill>
               <a:latin typeface="Arial" panose="020B0604020202020204" pitchFamily="34" charset="0"/>
+              <a:ea typeface="Meiryo" panose="020B0604030504040204" pitchFamily="34" charset="-128"/>
               <a:cs typeface="Arial" panose="020B0604020202020204" pitchFamily="34" charset="0"/>
             </a:endParaRPr>
           </a:p>
@@ -9469,8 +8929,8 @@
         </p:nvSpPr>
         <p:spPr>
           <a:xfrm>
-            <a:off x="7949551" y="161226"/>
-            <a:ext cx="1433350" cy="283743"/>
+            <a:off x="8824659" y="475358"/>
+            <a:ext cx="1168488" cy="233687"/>
           </a:xfrm>
           <a:prstGeom prst="snip1Rect">
             <a:avLst/>
@@ -9504,11 +8964,12 @@
           <a:p>
             <a:pPr algn="ctr"/>
             <a:r>
-              <a:rPr lang="en-US" altLang="zh-CN" sz="1600" dirty="0">
+              <a:rPr lang="en-US" altLang="zh-CN" sz="1400" dirty="0">
                 <a:solidFill>
                   <a:schemeClr val="tx1"/>
                 </a:solidFill>
                 <a:latin typeface="Arial" panose="020B0604020202020204" pitchFamily="34" charset="0"/>
+                <a:ea typeface="Meiryo" panose="020B0604030504040204" pitchFamily="34" charset="-128"/>
                 <a:cs typeface="Arial" panose="020B0604020202020204" pitchFamily="34" charset="0"/>
               </a:rPr>
               <a:t>File</a:t>
@@ -9518,6 +8979,7 @@
                 <a:schemeClr val="tx1"/>
               </a:solidFill>
               <a:latin typeface="Arial" panose="020B0604020202020204" pitchFamily="34" charset="0"/>
+              <a:ea typeface="Meiryo" panose="020B0604030504040204" pitchFamily="34" charset="-128"/>
               <a:cs typeface="Arial" panose="020B0604020202020204" pitchFamily="34" charset="0"/>
             </a:endParaRPr>
           </a:p>
@@ -9537,10 +8999,10 @@
         </p:nvGrpSpPr>
         <p:grpSpPr>
           <a:xfrm>
-            <a:off x="9763973" y="117227"/>
-            <a:ext cx="1468602" cy="841829"/>
+            <a:off x="10303803" y="439121"/>
+            <a:ext cx="1197226" cy="712578"/>
             <a:chOff x="10143588" y="155602"/>
-            <a:chExt cx="1468602" cy="841829"/>
+            <a:chExt cx="1468602" cy="865215"/>
           </a:xfrm>
         </p:grpSpPr>
         <p:cxnSp>
@@ -9641,7 +9103,7 @@
           <p:spPr>
             <a:xfrm>
               <a:off x="10153398" y="155602"/>
-              <a:ext cx="1381510" cy="338554"/>
+              <a:ext cx="1381510" cy="373704"/>
             </a:xfrm>
             <a:prstGeom prst="rect">
               <a:avLst/>
@@ -9655,14 +9117,16 @@
             <a:lstStyle/>
             <a:p>
               <a:r>
-                <a:rPr lang="en-US" altLang="zh-CN" sz="1600">
+                <a:rPr lang="en-US" altLang="zh-CN" sz="1400">
                   <a:latin typeface="Arial" panose="020B0604020202020204" pitchFamily="34" charset="0"/>
+                  <a:ea typeface="Meiryo" panose="020B0604030504040204" pitchFamily="34" charset="-128"/>
                   <a:cs typeface="Arial" panose="020B0604020202020204" pitchFamily="34" charset="0"/>
                 </a:rPr>
                 <a:t>Input Data</a:t>
               </a:r>
-              <a:endParaRPr lang="zh-CN" altLang="en-US" sz="1600" dirty="0">
+              <a:endParaRPr lang="zh-CN" altLang="en-US" sz="1400" dirty="0">
                 <a:latin typeface="Arial" panose="020B0604020202020204" pitchFamily="34" charset="0"/>
+                <a:ea typeface="Meiryo" panose="020B0604030504040204" pitchFamily="34" charset="-128"/>
                 <a:cs typeface="Arial" panose="020B0604020202020204" pitchFamily="34" charset="0"/>
               </a:endParaRPr>
             </a:p>
@@ -9683,7 +9147,7 @@
           <p:spPr>
             <a:xfrm>
               <a:off x="10195144" y="647113"/>
-              <a:ext cx="1417046" cy="338554"/>
+              <a:ext cx="1417046" cy="373704"/>
             </a:xfrm>
             <a:prstGeom prst="rect">
               <a:avLst/>
@@ -9697,14 +9161,16 @@
             <a:lstStyle/>
             <a:p>
               <a:r>
-                <a:rPr lang="en-US" altLang="zh-CN" sz="1600">
+                <a:rPr lang="en-US" altLang="zh-CN" sz="1400">
                   <a:latin typeface="Arial" panose="020B0604020202020204" pitchFamily="34" charset="0"/>
+                  <a:ea typeface="Meiryo" panose="020B0604030504040204" pitchFamily="34" charset="-128"/>
                   <a:cs typeface="Arial" panose="020B0604020202020204" pitchFamily="34" charset="0"/>
                 </a:rPr>
                 <a:t>Output Data</a:t>
               </a:r>
-              <a:endParaRPr lang="zh-CN" altLang="en-US" sz="1600" dirty="0">
+              <a:endParaRPr lang="zh-CN" altLang="en-US" sz="1400" dirty="0">
                 <a:latin typeface="Arial" panose="020B0604020202020204" pitchFamily="34" charset="0"/>
+                <a:ea typeface="Meiryo" panose="020B0604030504040204" pitchFamily="34" charset="-128"/>
                 <a:cs typeface="Arial" panose="020B0604020202020204" pitchFamily="34" charset="0"/>
               </a:endParaRPr>
             </a:p>
@@ -9725,8 +9191,8 @@
         </p:nvSpPr>
         <p:spPr>
           <a:xfrm>
-            <a:off x="1366730" y="935172"/>
-            <a:ext cx="2027030" cy="369332"/>
+            <a:off x="782648" y="1156048"/>
+            <a:ext cx="1617238" cy="307777"/>
           </a:xfrm>
           <a:prstGeom prst="rect">
             <a:avLst/>
@@ -9740,14 +9206,16 @@
           <a:lstStyle/>
           <a:p>
             <a:r>
-              <a:rPr lang="en-US" altLang="zh-CN">
+              <a:rPr lang="en-US" altLang="zh-CN" sz="1400">
                 <a:latin typeface="Arial" panose="020B0604020202020204" pitchFamily="34" charset="0"/>
+                <a:ea typeface="Meiryo" panose="020B0604030504040204" pitchFamily="34" charset="-128"/>
                 <a:cs typeface="Arial" panose="020B0604020202020204" pitchFamily="34" charset="0"/>
               </a:rPr>
               <a:t>MATLAB/Simulink</a:t>
             </a:r>
-            <a:endParaRPr lang="zh-CN" altLang="en-US">
+            <a:endParaRPr lang="zh-CN" altLang="en-US" sz="1400">
               <a:latin typeface="Arial" panose="020B0604020202020204" pitchFamily="34" charset="0"/>
+              <a:ea typeface="Meiryo" panose="020B0604030504040204" pitchFamily="34" charset="-128"/>
               <a:cs typeface="Arial" panose="020B0604020202020204" pitchFamily="34" charset="0"/>
             </a:endParaRPr>
           </a:p>
@@ -9767,8 +9235,8 @@
         </p:nvSpPr>
         <p:spPr>
           <a:xfrm>
-            <a:off x="532437" y="3184255"/>
-            <a:ext cx="2379654" cy="369332"/>
+            <a:off x="589252" y="3307292"/>
+            <a:ext cx="2179536" cy="338554"/>
           </a:xfrm>
           <a:prstGeom prst="rect">
             <a:avLst/>
@@ -9793,14 +9261,16 @@
           <a:p>
             <a:pPr algn="ctr"/>
             <a:r>
-              <a:rPr lang="en-US" altLang="zh-CN">
+              <a:rPr lang="en-US" altLang="zh-CN" sz="1600">
                 <a:latin typeface="Arial" panose="020B0604020202020204" pitchFamily="34" charset="0"/>
+                <a:ea typeface="Meiryo" panose="020B0604030504040204" pitchFamily="34" charset="-128"/>
                 <a:cs typeface="Arial" panose="020B0604020202020204" pitchFamily="34" charset="0"/>
               </a:rPr>
               <a:t>Proposed Framework</a:t>
             </a:r>
-            <a:endParaRPr lang="zh-CN" altLang="en-US">
+            <a:endParaRPr lang="zh-CN" altLang="en-US" sz="1600">
               <a:latin typeface="Arial" panose="020B0604020202020204" pitchFamily="34" charset="0"/>
+              <a:ea typeface="Meiryo" panose="020B0604030504040204" pitchFamily="34" charset="-128"/>
               <a:cs typeface="Arial" panose="020B0604020202020204" pitchFamily="34" charset="0"/>
             </a:endParaRPr>
           </a:p>
@@ -9820,8 +9290,8 @@
         </p:nvSpPr>
         <p:spPr>
           <a:xfrm>
-            <a:off x="3162783" y="3329216"/>
-            <a:ext cx="2155784" cy="626473"/>
+            <a:off x="1358832" y="3792473"/>
+            <a:ext cx="2194489" cy="515954"/>
           </a:xfrm>
           <a:prstGeom prst="snip1Rect">
             <a:avLst/>
@@ -9851,9 +9321,1232 @@
           <a:lstStyle/>
           <a:p>
             <a:pPr algn="ctr"/>
+            <a:endParaRPr lang="zh-CN" altLang="en-US" sz="1400">
+              <a:solidFill>
+                <a:schemeClr val="tx1"/>
+              </a:solidFill>
+              <a:latin typeface="Arial" panose="020B0604020202020204" pitchFamily="34" charset="0"/>
+              <a:ea typeface="Meiryo" panose="020B0604030504040204" pitchFamily="34" charset="-128"/>
+              <a:cs typeface="Arial" panose="020B0604020202020204" pitchFamily="34" charset="0"/>
+            </a:endParaRPr>
+          </a:p>
+        </p:txBody>
+      </p:sp>
+      <p:cxnSp>
+        <p:nvCxnSpPr>
+          <p:cNvPr id="32" name="直接箭头连接符 31">
+            <a:extLst>
+              <a:ext uri="{FF2B5EF4-FFF2-40B4-BE49-F238E27FC236}">
+                <a16:creationId xmlns:a16="http://schemas.microsoft.com/office/drawing/2014/main" id="{4EEBB4BC-D224-376E-9952-F16EC5FAE92A}"/>
+              </a:ext>
+            </a:extLst>
+          </p:cNvPr>
+          <p:cNvCxnSpPr>
+            <a:cxnSpLocks/>
+          </p:cNvCxnSpPr>
+          <p:nvPr/>
+        </p:nvCxnSpPr>
+        <p:spPr>
+          <a:xfrm>
+            <a:off x="5884498" y="2063615"/>
+            <a:ext cx="1494808" cy="0"/>
+          </a:xfrm>
+          <a:prstGeom prst="straightConnector1">
+            <a:avLst/>
+          </a:prstGeom>
+          <a:ln w="28575">
+            <a:solidFill>
+              <a:schemeClr val="tx1"/>
+            </a:solidFill>
+            <a:tailEnd type="triangle"/>
+          </a:ln>
+        </p:spPr>
+        <p:style>
+          <a:lnRef idx="1">
+            <a:schemeClr val="accent1"/>
+          </a:lnRef>
+          <a:fillRef idx="0">
+            <a:schemeClr val="accent1"/>
+          </a:fillRef>
+          <a:effectRef idx="0">
+            <a:schemeClr val="accent1"/>
+          </a:effectRef>
+          <a:fontRef idx="minor">
+            <a:schemeClr val="tx1"/>
+          </a:fontRef>
+        </p:style>
+      </p:cxnSp>
+      <p:sp>
+        <p:nvSpPr>
+          <p:cNvPr id="33" name="文本框 32">
+            <a:extLst>
+              <a:ext uri="{FF2B5EF4-FFF2-40B4-BE49-F238E27FC236}">
+                <a16:creationId xmlns:a16="http://schemas.microsoft.com/office/drawing/2014/main" id="{7380ADFF-A06E-D435-3BC4-4A7AD42CDC5D}"/>
+              </a:ext>
+            </a:extLst>
+          </p:cNvPr>
+          <p:cNvSpPr txBox="1"/>
+          <p:nvPr/>
+        </p:nvSpPr>
+        <p:spPr>
+          <a:xfrm>
+            <a:off x="5930183" y="1567379"/>
+            <a:ext cx="1393331" cy="523220"/>
+          </a:xfrm>
+          <a:prstGeom prst="rect">
+            <a:avLst/>
+          </a:prstGeom>
+          <a:noFill/>
+        </p:spPr>
+        <p:txBody>
+          <a:bodyPr wrap="none" rtlCol="0">
+            <a:spAutoFit/>
+          </a:bodyPr>
+          <a:lstStyle/>
+          <a:p>
+            <a:pPr algn="ctr"/>
             <a:r>
-              <a:rPr lang="en-US" altLang="zh-CN" sz="1600">
+              <a:rPr lang="en-US" altLang="zh-CN" sz="1400">
                 <a:latin typeface="Arial" panose="020B0604020202020204" pitchFamily="34" charset="0"/>
+                <a:ea typeface="Meiryo" panose="020B0604030504040204" pitchFamily="34" charset="-128"/>
+                <a:cs typeface="Arial" panose="020B0604020202020204" pitchFamily="34" charset="0"/>
+              </a:rPr>
+              <a:t>Tool:</a:t>
+            </a:r>
+          </a:p>
+          <a:p>
+            <a:pPr algn="ctr"/>
+            <a:r>
+              <a:rPr lang="en-US" altLang="zh-CN" sz="1400">
+                <a:latin typeface="Arial" panose="020B0604020202020204" pitchFamily="34" charset="0"/>
+                <a:ea typeface="Meiryo" panose="020B0604030504040204" pitchFamily="34" charset="-128"/>
+                <a:cs typeface="Arial" panose="020B0604020202020204" pitchFamily="34" charset="0"/>
+              </a:rPr>
+              <a:t>GCC Compiler</a:t>
+            </a:r>
+          </a:p>
+        </p:txBody>
+      </p:sp>
+      <p:sp>
+        <p:nvSpPr>
+          <p:cNvPr id="38" name="文本框 37">
+            <a:extLst>
+              <a:ext uri="{FF2B5EF4-FFF2-40B4-BE49-F238E27FC236}">
+                <a16:creationId xmlns:a16="http://schemas.microsoft.com/office/drawing/2014/main" id="{F59F4D3B-6F74-0DCC-7B70-9FD1593C7AFD}"/>
+              </a:ext>
+            </a:extLst>
+          </p:cNvPr>
+          <p:cNvSpPr txBox="1"/>
+          <p:nvPr/>
+        </p:nvSpPr>
+        <p:spPr>
+          <a:xfrm>
+            <a:off x="5878881" y="2037198"/>
+            <a:ext cx="1577862" cy="523220"/>
+          </a:xfrm>
+          <a:prstGeom prst="rect">
+            <a:avLst/>
+          </a:prstGeom>
+          <a:noFill/>
+        </p:spPr>
+        <p:txBody>
+          <a:bodyPr wrap="square" rtlCol="0">
+            <a:spAutoFit/>
+          </a:bodyPr>
+          <a:lstStyle/>
+          <a:p>
+            <a:pPr algn="ctr"/>
+            <a:r>
+              <a:rPr lang="en-US" altLang="zh-CN" sz="1400">
+                <a:latin typeface="Arial" panose="020B0604020202020204" pitchFamily="34" charset="0"/>
+                <a:ea typeface="Meiryo" panose="020B0604030504040204" pitchFamily="34" charset="-128"/>
+                <a:cs typeface="Arial" panose="020B0604020202020204" pitchFamily="34" charset="0"/>
+              </a:rPr>
+              <a:t>Action:</a:t>
+            </a:r>
+          </a:p>
+          <a:p>
+            <a:pPr algn="ctr"/>
+            <a:r>
+              <a:rPr lang="en-US" altLang="zh-CN" sz="1400">
+                <a:latin typeface="Arial" panose="020B0604020202020204" pitchFamily="34" charset="0"/>
+                <a:ea typeface="Meiryo" panose="020B0604030504040204" pitchFamily="34" charset="-128"/>
+                <a:cs typeface="Arial" panose="020B0604020202020204" pitchFamily="34" charset="0"/>
+              </a:rPr>
+              <a:t>Compile</a:t>
+            </a:r>
+          </a:p>
+        </p:txBody>
+      </p:sp>
+      <p:grpSp>
+        <p:nvGrpSpPr>
+          <p:cNvPr id="81" name="组合 80">
+            <a:extLst>
+              <a:ext uri="{FF2B5EF4-FFF2-40B4-BE49-F238E27FC236}">
+                <a16:creationId xmlns:a16="http://schemas.microsoft.com/office/drawing/2014/main" id="{CC592110-A8E0-4D81-B297-8EAFED87DE99}"/>
+              </a:ext>
+            </a:extLst>
+          </p:cNvPr>
+          <p:cNvGrpSpPr/>
+          <p:nvPr/>
+        </p:nvGrpSpPr>
+        <p:grpSpPr>
+          <a:xfrm>
+            <a:off x="7378071" y="1156048"/>
+            <a:ext cx="1332475" cy="1634688"/>
+            <a:chOff x="8068389" y="1177142"/>
+            <a:chExt cx="1634507" cy="1984845"/>
+          </a:xfrm>
+        </p:grpSpPr>
+        <p:sp>
+          <p:nvSpPr>
+            <p:cNvPr id="83" name="矩形: 剪去单角 82">
+              <a:extLst>
+                <a:ext uri="{FF2B5EF4-FFF2-40B4-BE49-F238E27FC236}">
+                  <a16:creationId xmlns:a16="http://schemas.microsoft.com/office/drawing/2014/main" id="{BFAC8234-AF9B-F397-8DE1-1CD03F5E4753}"/>
+                </a:ext>
+              </a:extLst>
+            </p:cNvPr>
+            <p:cNvSpPr/>
+            <p:nvPr/>
+          </p:nvSpPr>
+          <p:spPr>
+            <a:xfrm>
+              <a:off x="8068389" y="1284292"/>
+              <a:ext cx="1634507" cy="1844742"/>
+            </a:xfrm>
+            <a:prstGeom prst="snip1Rect">
+              <a:avLst/>
+            </a:prstGeom>
+            <a:ln w="28575">
+              <a:solidFill>
+                <a:schemeClr val="tx1"/>
+              </a:solidFill>
+            </a:ln>
+          </p:spPr>
+          <p:style>
+            <a:lnRef idx="2">
+              <a:schemeClr val="accent2"/>
+            </a:lnRef>
+            <a:fillRef idx="1">
+              <a:schemeClr val="lt1"/>
+            </a:fillRef>
+            <a:effectRef idx="0">
+              <a:schemeClr val="accent2"/>
+            </a:effectRef>
+            <a:fontRef idx="minor">
+              <a:schemeClr val="dk1"/>
+            </a:fontRef>
+          </p:style>
+          <p:txBody>
+            <a:bodyPr rtlCol="0" anchor="ctr"/>
+            <a:lstStyle/>
+            <a:p>
+              <a:pPr algn="ctr"/>
+              <a:endParaRPr lang="zh-CN" altLang="en-US" sz="1200">
+                <a:latin typeface="Arial" panose="020B0604020202020204" pitchFamily="34" charset="0"/>
+                <a:ea typeface="Meiryo" panose="020B0604030504040204" pitchFamily="34" charset="-128"/>
+                <a:cs typeface="Arial" panose="020B0604020202020204" pitchFamily="34" charset="0"/>
+              </a:endParaRPr>
+            </a:p>
+          </p:txBody>
+        </p:sp>
+        <p:sp>
+          <p:nvSpPr>
+            <p:cNvPr id="89" name="矩形 88">
+              <a:extLst>
+                <a:ext uri="{FF2B5EF4-FFF2-40B4-BE49-F238E27FC236}">
+                  <a16:creationId xmlns:a16="http://schemas.microsoft.com/office/drawing/2014/main" id="{568C2885-EABF-B74F-FF57-AA44D981D22E}"/>
+                </a:ext>
+              </a:extLst>
+            </p:cNvPr>
+            <p:cNvSpPr/>
+            <p:nvPr/>
+          </p:nvSpPr>
+          <p:spPr>
+            <a:xfrm>
+              <a:off x="8246424" y="1177142"/>
+              <a:ext cx="1062842" cy="314696"/>
+            </a:xfrm>
+            <a:prstGeom prst="rect">
+              <a:avLst/>
+            </a:prstGeom>
+            <a:solidFill>
+              <a:schemeClr val="bg1"/>
+            </a:solidFill>
+            <a:ln w="28575">
+              <a:solidFill>
+                <a:schemeClr val="tx1"/>
+              </a:solidFill>
+            </a:ln>
+          </p:spPr>
+          <p:style>
+            <a:lnRef idx="2">
+              <a:schemeClr val="accent1">
+                <a:shade val="15000"/>
+              </a:schemeClr>
+            </a:lnRef>
+            <a:fillRef idx="1">
+              <a:schemeClr val="accent1"/>
+            </a:fillRef>
+            <a:effectRef idx="0">
+              <a:schemeClr val="accent1"/>
+            </a:effectRef>
+            <a:fontRef idx="minor">
+              <a:schemeClr val="lt1"/>
+            </a:fontRef>
+          </p:style>
+          <p:txBody>
+            <a:bodyPr rtlCol="0" anchor="ctr"/>
+            <a:lstStyle/>
+            <a:p>
+              <a:pPr algn="ctr">
+                <a:lnSpc>
+                  <a:spcPts val="1800"/>
+                </a:lnSpc>
+              </a:pPr>
+              <a:r>
+                <a:rPr lang="en-US" altLang="zh-CN" sz="1400">
+                  <a:solidFill>
+                    <a:schemeClr val="tx1"/>
+                  </a:solidFill>
+                  <a:latin typeface="Arial" panose="020B0604020202020204" pitchFamily="34" charset="0"/>
+                  <a:ea typeface="Meiryo" panose="020B0604030504040204" pitchFamily="34" charset="-128"/>
+                  <a:cs typeface="Arial" panose="020B0604020202020204" pitchFamily="34" charset="0"/>
+                </a:rPr>
+                <a:t>Code(.o)</a:t>
+              </a:r>
+              <a:r>
+                <a:rPr lang="en-US" altLang="zh-CN">
+                  <a:solidFill>
+                    <a:schemeClr val="tx1"/>
+                  </a:solidFill>
+                  <a:latin typeface="Arial" panose="020B0604020202020204" pitchFamily="34" charset="0"/>
+                  <a:ea typeface="Meiryo" panose="020B0604030504040204" pitchFamily="34" charset="-128"/>
+                  <a:cs typeface="Arial" panose="020B0604020202020204" pitchFamily="34" charset="0"/>
+                </a:rPr>
+                <a:t> </a:t>
+              </a:r>
+              <a:endParaRPr lang="zh-CN" altLang="en-US">
+                <a:solidFill>
+                  <a:schemeClr val="tx1"/>
+                </a:solidFill>
+                <a:latin typeface="Arial" panose="020B0604020202020204" pitchFamily="34" charset="0"/>
+                <a:ea typeface="Meiryo" panose="020B0604030504040204" pitchFamily="34" charset="-128"/>
+                <a:cs typeface="Arial" panose="020B0604020202020204" pitchFamily="34" charset="0"/>
+              </a:endParaRPr>
+            </a:p>
+          </p:txBody>
+        </p:sp>
+        <p:sp>
+          <p:nvSpPr>
+            <p:cNvPr id="91" name="文本框 90">
+              <a:extLst>
+                <a:ext uri="{FF2B5EF4-FFF2-40B4-BE49-F238E27FC236}">
+                  <a16:creationId xmlns:a16="http://schemas.microsoft.com/office/drawing/2014/main" id="{AB0BAF6B-69E3-412D-6A16-2D39D092A014}"/>
+                </a:ext>
+              </a:extLst>
+            </p:cNvPr>
+            <p:cNvSpPr txBox="1"/>
+            <p:nvPr/>
+          </p:nvSpPr>
+          <p:spPr>
+            <a:xfrm>
+              <a:off x="8489226" y="2713543"/>
+              <a:ext cx="792835" cy="448444"/>
+            </a:xfrm>
+            <a:prstGeom prst="rect">
+              <a:avLst/>
+            </a:prstGeom>
+            <a:noFill/>
+          </p:spPr>
+          <p:txBody>
+            <a:bodyPr wrap="none" rtlCol="0">
+              <a:spAutoFit/>
+            </a:bodyPr>
+            <a:lstStyle/>
+            <a:p>
+              <a:r>
+                <a:rPr lang="en-US" altLang="zh-CN">
+                  <a:latin typeface="Arial" panose="020B0604020202020204" pitchFamily="34" charset="0"/>
+                  <a:ea typeface="Meiryo" panose="020B0604030504040204" pitchFamily="34" charset="-128"/>
+                  <a:cs typeface="Arial" panose="020B0604020202020204" pitchFamily="34" charset="0"/>
+                </a:rPr>
+                <a:t>……</a:t>
+              </a:r>
+              <a:endParaRPr lang="zh-CN" altLang="en-US">
+                <a:latin typeface="Arial" panose="020B0604020202020204" pitchFamily="34" charset="0"/>
+                <a:ea typeface="Meiryo" panose="020B0604030504040204" pitchFamily="34" charset="-128"/>
+                <a:cs typeface="Arial" panose="020B0604020202020204" pitchFamily="34" charset="0"/>
+              </a:endParaRPr>
+            </a:p>
+          </p:txBody>
+        </p:sp>
+      </p:grpSp>
+      <p:sp>
+        <p:nvSpPr>
+          <p:cNvPr id="98" name="文本框 97">
+            <a:extLst>
+              <a:ext uri="{FF2B5EF4-FFF2-40B4-BE49-F238E27FC236}">
+                <a16:creationId xmlns:a16="http://schemas.microsoft.com/office/drawing/2014/main" id="{BB2371EB-A513-2DFC-2AFE-B345B9C73CD3}"/>
+              </a:ext>
+            </a:extLst>
+          </p:cNvPr>
+          <p:cNvSpPr txBox="1"/>
+          <p:nvPr/>
+        </p:nvSpPr>
+        <p:spPr>
+          <a:xfrm>
+            <a:off x="7488825" y="1543333"/>
+            <a:ext cx="1110965" cy="1015663"/>
+          </a:xfrm>
+          <a:prstGeom prst="rect">
+            <a:avLst/>
+          </a:prstGeom>
+          <a:noFill/>
+        </p:spPr>
+        <p:txBody>
+          <a:bodyPr wrap="square" rtlCol="0">
+            <a:spAutoFit/>
+          </a:bodyPr>
+          <a:lstStyle/>
+          <a:p>
+            <a:pPr algn="ctr"/>
+            <a:r>
+              <a:rPr lang="en-US" altLang="zh-CN" sz="1200">
+                <a:latin typeface="Arial" panose="020B0604020202020204" pitchFamily="34" charset="0"/>
+                <a:ea typeface="Meiryo" panose="020B0604030504040204" pitchFamily="34" charset="-128"/>
+                <a:cs typeface="Arial" panose="020B0604020202020204" pitchFamily="34" charset="0"/>
+              </a:rPr>
+              <a:t>0110101101001010101001010001111101010010110100111010101</a:t>
+            </a:r>
+            <a:endParaRPr lang="zh-CN" altLang="en-US" sz="1200">
+              <a:latin typeface="Arial" panose="020B0604020202020204" pitchFamily="34" charset="0"/>
+              <a:ea typeface="Meiryo" panose="020B0604030504040204" pitchFamily="34" charset="-128"/>
+              <a:cs typeface="Arial" panose="020B0604020202020204" pitchFamily="34" charset="0"/>
+            </a:endParaRPr>
+          </a:p>
+        </p:txBody>
+      </p:sp>
+      <p:cxnSp>
+        <p:nvCxnSpPr>
+          <p:cNvPr id="99" name="直接箭头连接符 98">
+            <a:extLst>
+              <a:ext uri="{FF2B5EF4-FFF2-40B4-BE49-F238E27FC236}">
+                <a16:creationId xmlns:a16="http://schemas.microsoft.com/office/drawing/2014/main" id="{A4FBBD44-221A-B62C-5E85-D02886A641B3}"/>
+              </a:ext>
+            </a:extLst>
+          </p:cNvPr>
+          <p:cNvCxnSpPr>
+            <a:cxnSpLocks/>
+          </p:cNvCxnSpPr>
+          <p:nvPr/>
+        </p:nvCxnSpPr>
+        <p:spPr>
+          <a:xfrm>
+            <a:off x="8731558" y="2069994"/>
+            <a:ext cx="1494808" cy="0"/>
+          </a:xfrm>
+          <a:prstGeom prst="straightConnector1">
+            <a:avLst/>
+          </a:prstGeom>
+          <a:ln w="28575">
+            <a:solidFill>
+              <a:schemeClr val="tx1"/>
+            </a:solidFill>
+            <a:tailEnd type="triangle"/>
+          </a:ln>
+        </p:spPr>
+        <p:style>
+          <a:lnRef idx="1">
+            <a:schemeClr val="accent1"/>
+          </a:lnRef>
+          <a:fillRef idx="0">
+            <a:schemeClr val="accent1"/>
+          </a:fillRef>
+          <a:effectRef idx="0">
+            <a:schemeClr val="accent1"/>
+          </a:effectRef>
+          <a:fontRef idx="minor">
+            <a:schemeClr val="tx1"/>
+          </a:fontRef>
+        </p:style>
+      </p:cxnSp>
+      <p:sp>
+        <p:nvSpPr>
+          <p:cNvPr id="101" name="文本框 100">
+            <a:extLst>
+              <a:ext uri="{FF2B5EF4-FFF2-40B4-BE49-F238E27FC236}">
+                <a16:creationId xmlns:a16="http://schemas.microsoft.com/office/drawing/2014/main" id="{8572B372-D7D9-5F20-679D-8F2BFDE8EABB}"/>
+              </a:ext>
+            </a:extLst>
+          </p:cNvPr>
+          <p:cNvSpPr txBox="1"/>
+          <p:nvPr/>
+        </p:nvSpPr>
+        <p:spPr>
+          <a:xfrm>
+            <a:off x="8725941" y="2043577"/>
+            <a:ext cx="1577862" cy="523220"/>
+          </a:xfrm>
+          <a:prstGeom prst="rect">
+            <a:avLst/>
+          </a:prstGeom>
+          <a:noFill/>
+        </p:spPr>
+        <p:txBody>
+          <a:bodyPr wrap="square" rtlCol="0">
+            <a:spAutoFit/>
+          </a:bodyPr>
+          <a:lstStyle/>
+          <a:p>
+            <a:pPr algn="ctr"/>
+            <a:r>
+              <a:rPr lang="en-US" altLang="zh-CN" sz="1400">
+                <a:latin typeface="Arial" panose="020B0604020202020204" pitchFamily="34" charset="0"/>
+                <a:ea typeface="Meiryo" panose="020B0604030504040204" pitchFamily="34" charset="-128"/>
+                <a:cs typeface="Arial" panose="020B0604020202020204" pitchFamily="34" charset="0"/>
+              </a:rPr>
+              <a:t>Action:</a:t>
+            </a:r>
+          </a:p>
+          <a:p>
+            <a:pPr algn="ctr"/>
+            <a:r>
+              <a:rPr lang="en-US" altLang="zh-CN" sz="1400">
+                <a:latin typeface="Arial" panose="020B0604020202020204" pitchFamily="34" charset="0"/>
+                <a:ea typeface="Meiryo" panose="020B0604030504040204" pitchFamily="34" charset="-128"/>
+                <a:cs typeface="Arial" panose="020B0604020202020204" pitchFamily="34" charset="0"/>
+              </a:rPr>
+              <a:t>Write to Device</a:t>
+            </a:r>
+          </a:p>
+        </p:txBody>
+      </p:sp>
+      <p:sp>
+        <p:nvSpPr>
+          <p:cNvPr id="102" name="文本框 101">
+            <a:extLst>
+              <a:ext uri="{FF2B5EF4-FFF2-40B4-BE49-F238E27FC236}">
+                <a16:creationId xmlns:a16="http://schemas.microsoft.com/office/drawing/2014/main" id="{D95E96CD-5173-C4D0-78EF-0AAC7DDCF9D0}"/>
+              </a:ext>
+            </a:extLst>
+          </p:cNvPr>
+          <p:cNvSpPr txBox="1"/>
+          <p:nvPr/>
+        </p:nvSpPr>
+        <p:spPr>
+          <a:xfrm>
+            <a:off x="9094579" y="1587200"/>
+            <a:ext cx="851515" cy="523220"/>
+          </a:xfrm>
+          <a:prstGeom prst="rect">
+            <a:avLst/>
+          </a:prstGeom>
+          <a:noFill/>
+        </p:spPr>
+        <p:txBody>
+          <a:bodyPr wrap="none" rtlCol="0">
+            <a:spAutoFit/>
+          </a:bodyPr>
+          <a:lstStyle/>
+          <a:p>
+            <a:pPr algn="ctr"/>
+            <a:r>
+              <a:rPr lang="en-US" altLang="zh-CN" sz="1400">
+                <a:latin typeface="Arial" panose="020B0604020202020204" pitchFamily="34" charset="0"/>
+                <a:ea typeface="Meiryo" panose="020B0604030504040204" pitchFamily="34" charset="-128"/>
+                <a:cs typeface="Arial" panose="020B0604020202020204" pitchFamily="34" charset="0"/>
+              </a:rPr>
+              <a:t>Tool:</a:t>
+            </a:r>
+          </a:p>
+          <a:p>
+            <a:pPr algn="ctr"/>
+            <a:r>
+              <a:rPr lang="en-US" altLang="zh-CN" sz="1400">
+                <a:latin typeface="Arial" panose="020B0604020202020204" pitchFamily="34" charset="0"/>
+                <a:ea typeface="Meiryo" panose="020B0604030504040204" pitchFamily="34" charset="-128"/>
+                <a:cs typeface="Arial" panose="020B0604020202020204" pitchFamily="34" charset="0"/>
+              </a:rPr>
+              <a:t>Minicom</a:t>
+            </a:r>
+          </a:p>
+        </p:txBody>
+      </p:sp>
+      <p:grpSp>
+        <p:nvGrpSpPr>
+          <p:cNvPr id="123" name="组合 122">
+            <a:extLst>
+              <a:ext uri="{FF2B5EF4-FFF2-40B4-BE49-F238E27FC236}">
+                <a16:creationId xmlns:a16="http://schemas.microsoft.com/office/drawing/2014/main" id="{216D014F-FD0E-7B7F-6279-F4A6F61216C4}"/>
+              </a:ext>
+            </a:extLst>
+          </p:cNvPr>
+          <p:cNvGrpSpPr/>
+          <p:nvPr/>
+        </p:nvGrpSpPr>
+        <p:grpSpPr>
+          <a:xfrm>
+            <a:off x="9946094" y="4427506"/>
+            <a:ext cx="1409368" cy="1713716"/>
+            <a:chOff x="10191722" y="4450578"/>
+            <a:chExt cx="1409368" cy="1713716"/>
+          </a:xfrm>
+        </p:grpSpPr>
+        <p:sp>
+          <p:nvSpPr>
+            <p:cNvPr id="1034" name="矩形: 剪去单角 1033">
+              <a:extLst>
+                <a:ext uri="{FF2B5EF4-FFF2-40B4-BE49-F238E27FC236}">
+                  <a16:creationId xmlns:a16="http://schemas.microsoft.com/office/drawing/2014/main" id="{B606856E-467C-014E-F077-9F99355BCF47}"/>
+                </a:ext>
+              </a:extLst>
+            </p:cNvPr>
+            <p:cNvSpPr/>
+            <p:nvPr/>
+          </p:nvSpPr>
+          <p:spPr>
+            <a:xfrm>
+              <a:off x="10191722" y="4538825"/>
+              <a:ext cx="1332475" cy="1519302"/>
+            </a:xfrm>
+            <a:prstGeom prst="snip1Rect">
+              <a:avLst/>
+            </a:prstGeom>
+            <a:ln w="28575">
+              <a:solidFill>
+                <a:schemeClr val="tx1"/>
+              </a:solidFill>
+            </a:ln>
+          </p:spPr>
+          <p:style>
+            <a:lnRef idx="2">
+              <a:schemeClr val="accent2"/>
+            </a:lnRef>
+            <a:fillRef idx="1">
+              <a:schemeClr val="lt1"/>
+            </a:fillRef>
+            <a:effectRef idx="0">
+              <a:schemeClr val="accent2"/>
+            </a:effectRef>
+            <a:fontRef idx="minor">
+              <a:schemeClr val="dk1"/>
+            </a:fontRef>
+          </p:style>
+          <p:txBody>
+            <a:bodyPr rtlCol="0" anchor="ctr"/>
+            <a:lstStyle/>
+            <a:p>
+              <a:pPr algn="ctr"/>
+              <a:endParaRPr lang="zh-CN" altLang="en-US">
+                <a:latin typeface="Arial" panose="020B0604020202020204" pitchFamily="34" charset="0"/>
+                <a:ea typeface="Meiryo" panose="020B0604030504040204" pitchFamily="34" charset="-128"/>
+                <a:cs typeface="Arial" panose="020B0604020202020204" pitchFamily="34" charset="0"/>
+              </a:endParaRPr>
+            </a:p>
+          </p:txBody>
+        </p:sp>
+        <p:sp>
+          <p:nvSpPr>
+            <p:cNvPr id="1035" name="矩形 1034">
+              <a:extLst>
+                <a:ext uri="{FF2B5EF4-FFF2-40B4-BE49-F238E27FC236}">
+                  <a16:creationId xmlns:a16="http://schemas.microsoft.com/office/drawing/2014/main" id="{8510BB4D-DC7A-4359-2118-6806C759696A}"/>
+                </a:ext>
+              </a:extLst>
+            </p:cNvPr>
+            <p:cNvSpPr/>
+            <p:nvPr/>
+          </p:nvSpPr>
+          <p:spPr>
+            <a:xfrm>
+              <a:off x="10336857" y="4450578"/>
+              <a:ext cx="866445" cy="259179"/>
+            </a:xfrm>
+            <a:prstGeom prst="rect">
+              <a:avLst/>
+            </a:prstGeom>
+            <a:solidFill>
+              <a:schemeClr val="bg1"/>
+            </a:solidFill>
+            <a:ln w="28575">
+              <a:solidFill>
+                <a:schemeClr val="tx1"/>
+              </a:solidFill>
+            </a:ln>
+          </p:spPr>
+          <p:style>
+            <a:lnRef idx="2">
+              <a:schemeClr val="accent1">
+                <a:shade val="15000"/>
+              </a:schemeClr>
+            </a:lnRef>
+            <a:fillRef idx="1">
+              <a:schemeClr val="accent1"/>
+            </a:fillRef>
+            <a:effectRef idx="0">
+              <a:schemeClr val="accent1"/>
+            </a:effectRef>
+            <a:fontRef idx="minor">
+              <a:schemeClr val="lt1"/>
+            </a:fontRef>
+          </p:style>
+          <p:txBody>
+            <a:bodyPr rtlCol="0" anchor="ctr"/>
+            <a:lstStyle/>
+            <a:p>
+              <a:pPr algn="ctr"/>
+              <a:r>
+                <a:rPr lang="en-US" altLang="zh-CN" sz="1400">
+                  <a:solidFill>
+                    <a:schemeClr val="tx1"/>
+                  </a:solidFill>
+                  <a:latin typeface="Arial" panose="020B0604020202020204" pitchFamily="34" charset="0"/>
+                  <a:ea typeface="Meiryo" panose="020B0604030504040204" pitchFamily="34" charset="-128"/>
+                  <a:cs typeface="Arial" panose="020B0604020202020204" pitchFamily="34" charset="0"/>
+                </a:rPr>
+                <a:t>C Code</a:t>
+              </a:r>
+              <a:endParaRPr lang="zh-CN" altLang="en-US" sz="1400">
+                <a:solidFill>
+                  <a:schemeClr val="tx1"/>
+                </a:solidFill>
+                <a:latin typeface="Arial" panose="020B0604020202020204" pitchFamily="34" charset="0"/>
+                <a:ea typeface="Meiryo" panose="020B0604030504040204" pitchFamily="34" charset="-128"/>
+                <a:cs typeface="Arial" panose="020B0604020202020204" pitchFamily="34" charset="0"/>
+              </a:endParaRPr>
+            </a:p>
+          </p:txBody>
+        </p:sp>
+        <p:sp>
+          <p:nvSpPr>
+            <p:cNvPr id="1039" name="矩形: 剪去单角 1038">
+              <a:extLst>
+                <a:ext uri="{FF2B5EF4-FFF2-40B4-BE49-F238E27FC236}">
+                  <a16:creationId xmlns:a16="http://schemas.microsoft.com/office/drawing/2014/main" id="{5AC5DE7D-0B8D-FA18-7D2B-2A01F62B136E}"/>
+                </a:ext>
+              </a:extLst>
+            </p:cNvPr>
+            <p:cNvSpPr/>
+            <p:nvPr/>
+          </p:nvSpPr>
+          <p:spPr>
+            <a:xfrm>
+              <a:off x="10247835" y="4764907"/>
+              <a:ext cx="1220246" cy="218112"/>
+            </a:xfrm>
+            <a:prstGeom prst="snip1Rect">
+              <a:avLst/>
+            </a:prstGeom>
+            <a:solidFill>
+              <a:schemeClr val="bg1"/>
+            </a:solidFill>
+            <a:ln w="19050">
+              <a:solidFill>
+                <a:schemeClr val="tx1"/>
+              </a:solidFill>
+            </a:ln>
+          </p:spPr>
+          <p:style>
+            <a:lnRef idx="2">
+              <a:schemeClr val="accent1">
+                <a:shade val="15000"/>
+              </a:schemeClr>
+            </a:lnRef>
+            <a:fillRef idx="1">
+              <a:schemeClr val="accent1"/>
+            </a:fillRef>
+            <a:effectRef idx="0">
+              <a:schemeClr val="accent1"/>
+            </a:effectRef>
+            <a:fontRef idx="minor">
+              <a:schemeClr val="lt1"/>
+            </a:fontRef>
+          </p:style>
+          <p:txBody>
+            <a:bodyPr rtlCol="0" anchor="ctr"/>
+            <a:lstStyle/>
+            <a:p>
+              <a:pPr algn="ctr"/>
+              <a:r>
+                <a:rPr lang="en-US" altLang="zh-CN" sz="1200">
+                  <a:solidFill>
+                    <a:schemeClr val="tx1"/>
+                  </a:solidFill>
+                  <a:latin typeface="Arial" panose="020B0604020202020204" pitchFamily="34" charset="0"/>
+                  <a:ea typeface="Meiryo" panose="020B0604030504040204" pitchFamily="34" charset="-128"/>
+                  <a:cs typeface="Arial" panose="020B0604020202020204" pitchFamily="34" charset="0"/>
+                </a:rPr>
+                <a:t>Main_code.c</a:t>
+              </a:r>
+              <a:endParaRPr lang="zh-CN" altLang="en-US" sz="1200">
+                <a:solidFill>
+                  <a:schemeClr val="tx1"/>
+                </a:solidFill>
+                <a:latin typeface="Arial" panose="020B0604020202020204" pitchFamily="34" charset="0"/>
+                <a:ea typeface="Meiryo" panose="020B0604030504040204" pitchFamily="34" charset="-128"/>
+                <a:cs typeface="Arial" panose="020B0604020202020204" pitchFamily="34" charset="0"/>
+              </a:endParaRPr>
+            </a:p>
+          </p:txBody>
+        </p:sp>
+        <p:sp>
+          <p:nvSpPr>
+            <p:cNvPr id="1042" name="文本框 1041">
+              <a:extLst>
+                <a:ext uri="{FF2B5EF4-FFF2-40B4-BE49-F238E27FC236}">
+                  <a16:creationId xmlns:a16="http://schemas.microsoft.com/office/drawing/2014/main" id="{D4419EED-498A-0B97-483E-1959C7B830D5}"/>
+                </a:ext>
+              </a:extLst>
+            </p:cNvPr>
+            <p:cNvSpPr txBox="1"/>
+            <p:nvPr/>
+          </p:nvSpPr>
+          <p:spPr>
+            <a:xfrm>
+              <a:off x="10283306" y="4963965"/>
+              <a:ext cx="1317784" cy="1200329"/>
+            </a:xfrm>
+            <a:prstGeom prst="rect">
+              <a:avLst/>
+            </a:prstGeom>
+            <a:noFill/>
+          </p:spPr>
+          <p:txBody>
+            <a:bodyPr wrap="square" rtlCol="0">
+              <a:spAutoFit/>
+            </a:bodyPr>
+            <a:lstStyle/>
+            <a:p>
+              <a:r>
+                <a:rPr lang="en-US" altLang="zh-CN" sz="900">
+                  <a:latin typeface="Arial" panose="020B0604020202020204" pitchFamily="34" charset="0"/>
+                  <a:ea typeface="Meiryo" panose="020B0604030504040204" pitchFamily="34" charset="-128"/>
+                  <a:cs typeface="Arial" panose="020B0604020202020204" pitchFamily="34" charset="0"/>
+                </a:rPr>
+                <a:t>#include “</a:t>
+              </a:r>
+              <a:r>
+                <a:rPr lang="en-US" altLang="zh-CN" sz="900">
+                  <a:solidFill>
+                    <a:schemeClr val="tx1"/>
+                  </a:solidFill>
+                  <a:latin typeface="Arial" panose="020B0604020202020204" pitchFamily="34" charset="0"/>
+                  <a:ea typeface="Meiryo" panose="020B0604030504040204" pitchFamily="34" charset="-128"/>
+                  <a:cs typeface="Arial" panose="020B0604020202020204" pitchFamily="34" charset="0"/>
+                </a:rPr>
+                <a:t>Target.c</a:t>
+              </a:r>
+              <a:r>
+                <a:rPr lang="en-US" altLang="zh-CN" sz="900">
+                  <a:latin typeface="Arial" panose="020B0604020202020204" pitchFamily="34" charset="0"/>
+                  <a:ea typeface="Meiryo" panose="020B0604030504040204" pitchFamily="34" charset="-128"/>
+                  <a:cs typeface="Arial" panose="020B0604020202020204" pitchFamily="34" charset="0"/>
+                </a:rPr>
+                <a:t>”</a:t>
+              </a:r>
+            </a:p>
+            <a:p>
+              <a:r>
+                <a:rPr lang="en-US" altLang="zh-CN" sz="900">
+                  <a:latin typeface="Arial" panose="020B0604020202020204" pitchFamily="34" charset="0"/>
+                  <a:ea typeface="Meiryo" panose="020B0604030504040204" pitchFamily="34" charset="-128"/>
+                  <a:cs typeface="Arial" panose="020B0604020202020204" pitchFamily="34" charset="0"/>
+                </a:rPr>
+                <a:t>#include “</a:t>
+              </a:r>
+              <a:r>
+                <a:rPr lang="en-US" altLang="zh-CN" sz="900">
+                  <a:solidFill>
+                    <a:schemeClr val="tx1"/>
+                  </a:solidFill>
+                  <a:latin typeface="Arial" panose="020B0604020202020204" pitchFamily="34" charset="0"/>
+                  <a:ea typeface="Meiryo" panose="020B0604030504040204" pitchFamily="34" charset="-128"/>
+                  <a:cs typeface="Arial" panose="020B0604020202020204" pitchFamily="34" charset="0"/>
+                </a:rPr>
+                <a:t>Target.h</a:t>
+              </a:r>
+              <a:r>
+                <a:rPr lang="en-US" altLang="zh-CN" sz="900">
+                  <a:latin typeface="Arial" panose="020B0604020202020204" pitchFamily="34" charset="0"/>
+                  <a:ea typeface="Meiryo" panose="020B0604030504040204" pitchFamily="34" charset="-128"/>
+                  <a:cs typeface="Arial" panose="020B0604020202020204" pitchFamily="34" charset="0"/>
+                </a:rPr>
+                <a:t>”</a:t>
+              </a:r>
+            </a:p>
+            <a:p>
+              <a:endParaRPr lang="en-US" altLang="zh-CN" sz="900">
+                <a:latin typeface="Arial" panose="020B0604020202020204" pitchFamily="34" charset="0"/>
+                <a:ea typeface="Meiryo" panose="020B0604030504040204" pitchFamily="34" charset="-128"/>
+                <a:cs typeface="Arial" panose="020B0604020202020204" pitchFamily="34" charset="0"/>
+              </a:endParaRPr>
+            </a:p>
+            <a:p>
+              <a:r>
+                <a:rPr lang="en-US" altLang="zh-CN" sz="900">
+                  <a:latin typeface="Arial" panose="020B0604020202020204" pitchFamily="34" charset="0"/>
+                  <a:ea typeface="Meiryo" panose="020B0604030504040204" pitchFamily="34" charset="-128"/>
+                  <a:cs typeface="Arial" panose="020B0604020202020204" pitchFamily="34" charset="0"/>
+                </a:rPr>
+                <a:t>Int</a:t>
+              </a:r>
+              <a:r>
+                <a:rPr lang="ja-JP" altLang="en-US" sz="900">
+                  <a:latin typeface="Arial" panose="020B0604020202020204" pitchFamily="34" charset="0"/>
+                  <a:ea typeface="Meiryo" panose="020B0604030504040204" pitchFamily="34" charset="-128"/>
+                  <a:cs typeface="Arial" panose="020B0604020202020204" pitchFamily="34" charset="0"/>
+                </a:rPr>
+                <a:t> </a:t>
+              </a:r>
+              <a:r>
+                <a:rPr lang="en-US" altLang="ja-JP" sz="900">
+                  <a:latin typeface="Arial" panose="020B0604020202020204" pitchFamily="34" charset="0"/>
+                  <a:ea typeface="Meiryo" panose="020B0604030504040204" pitchFamily="34" charset="-128"/>
+                  <a:cs typeface="Arial" panose="020B0604020202020204" pitchFamily="34" charset="0"/>
+                </a:rPr>
+                <a:t>main{</a:t>
+              </a:r>
+            </a:p>
+            <a:p>
+              <a:r>
+                <a:rPr lang="en-US" altLang="zh-CN" sz="900">
+                  <a:latin typeface="Arial" panose="020B0604020202020204" pitchFamily="34" charset="0"/>
+                  <a:ea typeface="Meiryo" panose="020B0604030504040204" pitchFamily="34" charset="-128"/>
+                  <a:cs typeface="Arial" panose="020B0604020202020204" pitchFamily="34" charset="0"/>
+                </a:rPr>
+                <a:t>     function();</a:t>
+              </a:r>
+            </a:p>
+            <a:p>
+              <a:endParaRPr lang="en-US" altLang="zh-CN" sz="900">
+                <a:latin typeface="Arial" panose="020B0604020202020204" pitchFamily="34" charset="0"/>
+                <a:ea typeface="Meiryo" panose="020B0604030504040204" pitchFamily="34" charset="-128"/>
+                <a:cs typeface="Arial" panose="020B0604020202020204" pitchFamily="34" charset="0"/>
+              </a:endParaRPr>
+            </a:p>
+            <a:p>
+              <a:r>
+                <a:rPr lang="en-US" altLang="zh-CN" sz="900">
+                  <a:latin typeface="Arial" panose="020B0604020202020204" pitchFamily="34" charset="0"/>
+                  <a:ea typeface="Meiryo" panose="020B0604030504040204" pitchFamily="34" charset="-128"/>
+                  <a:cs typeface="Arial" panose="020B0604020202020204" pitchFamily="34" charset="0"/>
+                </a:rPr>
+                <a:t>}</a:t>
+              </a:r>
+            </a:p>
+            <a:p>
+              <a:r>
+                <a:rPr lang="en-US" altLang="zh-CN" sz="900">
+                  <a:latin typeface="Arial" panose="020B0604020202020204" pitchFamily="34" charset="0"/>
+                  <a:ea typeface="Meiryo" panose="020B0604030504040204" pitchFamily="34" charset="-128"/>
+                  <a:cs typeface="Arial" panose="020B0604020202020204" pitchFamily="34" charset="0"/>
+                </a:rPr>
+                <a:t>            </a:t>
+              </a:r>
+            </a:p>
+          </p:txBody>
+        </p:sp>
+        <p:sp>
+          <p:nvSpPr>
+            <p:cNvPr id="1040" name="文本框 1039">
+              <a:extLst>
+                <a:ext uri="{FF2B5EF4-FFF2-40B4-BE49-F238E27FC236}">
+                  <a16:creationId xmlns:a16="http://schemas.microsoft.com/office/drawing/2014/main" id="{923D10AA-3969-48DA-6BB3-BFB34C7D457C}"/>
+                </a:ext>
+              </a:extLst>
+            </p:cNvPr>
+            <p:cNvSpPr txBox="1"/>
+            <p:nvPr/>
+          </p:nvSpPr>
+          <p:spPr>
+            <a:xfrm>
+              <a:off x="10623157" y="5629304"/>
+              <a:ext cx="415498" cy="230832"/>
+            </a:xfrm>
+            <a:prstGeom prst="rect">
+              <a:avLst/>
+            </a:prstGeom>
+            <a:noFill/>
+          </p:spPr>
+          <p:txBody>
+            <a:bodyPr wrap="none" rtlCol="0">
+              <a:spAutoFit/>
+            </a:bodyPr>
+            <a:lstStyle/>
+            <a:p>
+              <a:r>
+                <a:rPr lang="en-US" altLang="zh-CN" sz="900">
+                  <a:latin typeface="Arial" panose="020B0604020202020204" pitchFamily="34" charset="0"/>
+                  <a:ea typeface="Meiryo" panose="020B0604030504040204" pitchFamily="34" charset="-128"/>
+                  <a:cs typeface="Arial" panose="020B0604020202020204" pitchFamily="34" charset="0"/>
+                </a:rPr>
+                <a:t>……</a:t>
+              </a:r>
+              <a:endParaRPr lang="zh-CN" altLang="en-US" sz="900">
+                <a:latin typeface="Arial" panose="020B0604020202020204" pitchFamily="34" charset="0"/>
+                <a:ea typeface="Meiryo" panose="020B0604030504040204" pitchFamily="34" charset="-128"/>
+                <a:cs typeface="Arial" panose="020B0604020202020204" pitchFamily="34" charset="0"/>
+              </a:endParaRPr>
+            </a:p>
+          </p:txBody>
+        </p:sp>
+        <p:sp>
+          <p:nvSpPr>
+            <p:cNvPr id="112" name="文本框 111">
+              <a:extLst>
+                <a:ext uri="{FF2B5EF4-FFF2-40B4-BE49-F238E27FC236}">
+                  <a16:creationId xmlns:a16="http://schemas.microsoft.com/office/drawing/2014/main" id="{DCA5D1DB-EFC6-B352-B344-4B6DE9196AFC}"/>
+                </a:ext>
+              </a:extLst>
+            </p:cNvPr>
+            <p:cNvSpPr txBox="1"/>
+            <p:nvPr/>
+          </p:nvSpPr>
+          <p:spPr>
+            <a:xfrm>
+              <a:off x="10631278" y="5830145"/>
+              <a:ext cx="415498" cy="230832"/>
+            </a:xfrm>
+            <a:prstGeom prst="rect">
+              <a:avLst/>
+            </a:prstGeom>
+            <a:noFill/>
+          </p:spPr>
+          <p:txBody>
+            <a:bodyPr wrap="none" rtlCol="0">
+              <a:spAutoFit/>
+            </a:bodyPr>
+            <a:lstStyle/>
+            <a:p>
+              <a:r>
+                <a:rPr lang="en-US" altLang="zh-CN" sz="900">
+                  <a:latin typeface="Arial" panose="020B0604020202020204" pitchFamily="34" charset="0"/>
+                  <a:ea typeface="Meiryo" panose="020B0604030504040204" pitchFamily="34" charset="-128"/>
+                  <a:cs typeface="Arial" panose="020B0604020202020204" pitchFamily="34" charset="0"/>
+                </a:rPr>
+                <a:t>……</a:t>
+              </a:r>
+              <a:endParaRPr lang="zh-CN" altLang="en-US" sz="900">
+                <a:latin typeface="Arial" panose="020B0604020202020204" pitchFamily="34" charset="0"/>
+                <a:ea typeface="Meiryo" panose="020B0604030504040204" pitchFamily="34" charset="-128"/>
+                <a:cs typeface="Arial" panose="020B0604020202020204" pitchFamily="34" charset="0"/>
+              </a:endParaRPr>
+            </a:p>
+          </p:txBody>
+        </p:sp>
+      </p:grpSp>
+      <p:cxnSp>
+        <p:nvCxnSpPr>
+          <p:cNvPr id="114" name="直接箭头连接符 113">
+            <a:extLst>
+              <a:ext uri="{FF2B5EF4-FFF2-40B4-BE49-F238E27FC236}">
+                <a16:creationId xmlns:a16="http://schemas.microsoft.com/office/drawing/2014/main" id="{E4027081-B469-D4D4-8C12-DC7AF0D6732F}"/>
+              </a:ext>
+            </a:extLst>
+          </p:cNvPr>
+          <p:cNvCxnSpPr>
+            <a:cxnSpLocks/>
+          </p:cNvCxnSpPr>
+          <p:nvPr/>
+        </p:nvCxnSpPr>
+        <p:spPr>
+          <a:xfrm flipH="1">
+            <a:off x="8427345" y="5254626"/>
+            <a:ext cx="1494808" cy="0"/>
+          </a:xfrm>
+          <a:prstGeom prst="straightConnector1">
+            <a:avLst/>
+          </a:prstGeom>
+          <a:ln w="28575">
+            <a:solidFill>
+              <a:schemeClr val="tx1"/>
+            </a:solidFill>
+            <a:prstDash val="dash"/>
+            <a:tailEnd type="triangle"/>
+          </a:ln>
+        </p:spPr>
+        <p:style>
+          <a:lnRef idx="1">
+            <a:schemeClr val="accent1"/>
+          </a:lnRef>
+          <a:fillRef idx="0">
+            <a:schemeClr val="accent1"/>
+          </a:fillRef>
+          <a:effectRef idx="0">
+            <a:schemeClr val="accent1"/>
+          </a:effectRef>
+          <a:fontRef idx="minor">
+            <a:schemeClr val="tx1"/>
+          </a:fontRef>
+        </p:style>
+      </p:cxnSp>
+      <p:cxnSp>
+        <p:nvCxnSpPr>
+          <p:cNvPr id="119" name="直接箭头连接符 118">
+            <a:extLst>
+              <a:ext uri="{FF2B5EF4-FFF2-40B4-BE49-F238E27FC236}">
+                <a16:creationId xmlns:a16="http://schemas.microsoft.com/office/drawing/2014/main" id="{858CB8E2-1623-810F-B4F0-1DEF4BFDCA12}"/>
+              </a:ext>
+            </a:extLst>
+          </p:cNvPr>
+          <p:cNvCxnSpPr>
+            <a:cxnSpLocks/>
+          </p:cNvCxnSpPr>
+          <p:nvPr/>
+        </p:nvCxnSpPr>
+        <p:spPr>
+          <a:xfrm flipH="1">
+            <a:off x="5573079" y="5254626"/>
+            <a:ext cx="1494808" cy="0"/>
+          </a:xfrm>
+          <a:prstGeom prst="straightConnector1">
+            <a:avLst/>
+          </a:prstGeom>
+          <a:ln w="28575">
+            <a:solidFill>
+              <a:schemeClr val="tx1"/>
+            </a:solidFill>
+            <a:tailEnd type="triangle"/>
+          </a:ln>
+        </p:spPr>
+        <p:style>
+          <a:lnRef idx="1">
+            <a:schemeClr val="accent1"/>
+          </a:lnRef>
+          <a:fillRef idx="0">
+            <a:schemeClr val="accent1"/>
+          </a:fillRef>
+          <a:effectRef idx="0">
+            <a:schemeClr val="accent1"/>
+          </a:effectRef>
+          <a:fontRef idx="minor">
+            <a:schemeClr val="tx1"/>
+          </a:fontRef>
+        </p:style>
+      </p:cxnSp>
+      <p:cxnSp>
+        <p:nvCxnSpPr>
+          <p:cNvPr id="124" name="直接箭头连接符 123">
+            <a:extLst>
+              <a:ext uri="{FF2B5EF4-FFF2-40B4-BE49-F238E27FC236}">
+                <a16:creationId xmlns:a16="http://schemas.microsoft.com/office/drawing/2014/main" id="{FBEC22BB-EB56-137B-798E-356A598548DE}"/>
+              </a:ext>
+            </a:extLst>
+          </p:cNvPr>
+          <p:cNvCxnSpPr>
+            <a:cxnSpLocks/>
+          </p:cNvCxnSpPr>
+          <p:nvPr/>
+        </p:nvCxnSpPr>
+        <p:spPr>
+          <a:xfrm>
+            <a:off x="2716208" y="5254626"/>
+            <a:ext cx="1494808" cy="0"/>
+          </a:xfrm>
+          <a:prstGeom prst="straightConnector1">
+            <a:avLst/>
+          </a:prstGeom>
+          <a:ln w="28575">
+            <a:solidFill>
+              <a:schemeClr val="tx1"/>
+            </a:solidFill>
+            <a:tailEnd type="triangle"/>
+          </a:ln>
+        </p:spPr>
+        <p:style>
+          <a:lnRef idx="1">
+            <a:schemeClr val="accent1"/>
+          </a:lnRef>
+          <a:fillRef idx="0">
+            <a:schemeClr val="accent1"/>
+          </a:fillRef>
+          <a:effectRef idx="0">
+            <a:schemeClr val="accent1"/>
+          </a:effectRef>
+          <a:fontRef idx="minor">
+            <a:schemeClr val="tx1"/>
+          </a:fontRef>
+        </p:style>
+      </p:cxnSp>
+      <p:cxnSp>
+        <p:nvCxnSpPr>
+          <p:cNvPr id="1027" name="直接连接符 1026">
+            <a:extLst>
+              <a:ext uri="{FF2B5EF4-FFF2-40B4-BE49-F238E27FC236}">
+                <a16:creationId xmlns:a16="http://schemas.microsoft.com/office/drawing/2014/main" id="{297E4218-EF3B-A1F2-DFD8-9D093AAA7791}"/>
+              </a:ext>
+            </a:extLst>
+          </p:cNvPr>
+          <p:cNvCxnSpPr>
+            <a:cxnSpLocks/>
+          </p:cNvCxnSpPr>
+          <p:nvPr/>
+        </p:nvCxnSpPr>
+        <p:spPr>
+          <a:xfrm rot="16200000">
+            <a:off x="4667164" y="4284545"/>
+            <a:ext cx="444374" cy="0"/>
+          </a:xfrm>
+          <a:prstGeom prst="line">
+            <a:avLst/>
+          </a:prstGeom>
+          <a:ln w="28575">
+            <a:prstDash val="dash"/>
+          </a:ln>
+        </p:spPr>
+        <p:style>
+          <a:lnRef idx="1">
+            <a:schemeClr val="dk1"/>
+          </a:lnRef>
+          <a:fillRef idx="0">
+            <a:schemeClr val="dk1"/>
+          </a:fillRef>
+          <a:effectRef idx="0">
+            <a:schemeClr val="dk1"/>
+          </a:effectRef>
+          <a:fontRef idx="minor">
+            <a:schemeClr val="tx1"/>
+          </a:fontRef>
+        </p:style>
+      </p:cxnSp>
+      <p:sp>
+        <p:nvSpPr>
+          <p:cNvPr id="1036" name="文本框 1035">
+            <a:extLst>
+              <a:ext uri="{FF2B5EF4-FFF2-40B4-BE49-F238E27FC236}">
+                <a16:creationId xmlns:a16="http://schemas.microsoft.com/office/drawing/2014/main" id="{C153C210-4A38-C4FA-3C93-0262D95784F5}"/>
+              </a:ext>
+            </a:extLst>
+          </p:cNvPr>
+          <p:cNvSpPr txBox="1"/>
+          <p:nvPr/>
+        </p:nvSpPr>
+        <p:spPr>
+          <a:xfrm>
+            <a:off x="1527782" y="3773879"/>
+            <a:ext cx="1879828" cy="523220"/>
+          </a:xfrm>
+          <a:prstGeom prst="rect">
+            <a:avLst/>
+          </a:prstGeom>
+          <a:noFill/>
+        </p:spPr>
+        <p:txBody>
+          <a:bodyPr wrap="square" rtlCol="0">
+            <a:spAutoFit/>
+          </a:bodyPr>
+          <a:lstStyle/>
+          <a:p>
+            <a:pPr algn="ctr"/>
+            <a:r>
+              <a:rPr lang="en-US" altLang="zh-CN" sz="1400">
+                <a:solidFill>
+                  <a:schemeClr val="tx1"/>
+                </a:solidFill>
+                <a:latin typeface="Arial" panose="020B0604020202020204" pitchFamily="34" charset="0"/>
+                <a:ea typeface="Meiryo" panose="020B0604030504040204" pitchFamily="34" charset="-128"/>
                 <a:cs typeface="Arial" panose="020B0604020202020204" pitchFamily="34" charset="0"/>
               </a:rPr>
               <a:t>Prediction of </a:t>
@@ -9862,14 +10555,22 @@
           <a:p>
             <a:pPr algn="ctr"/>
             <a:r>
-              <a:rPr lang="en-US" altLang="zh-CN" sz="1600">
+              <a:rPr lang="en-US" altLang="zh-CN" sz="1400">
+                <a:solidFill>
+                  <a:schemeClr val="tx1"/>
+                </a:solidFill>
                 <a:latin typeface="Arial" panose="020B0604020202020204" pitchFamily="34" charset="0"/>
+                <a:ea typeface="Meiryo" panose="020B0604030504040204" pitchFamily="34" charset="-128"/>
                 <a:cs typeface="Arial" panose="020B0604020202020204" pitchFamily="34" charset="0"/>
               </a:rPr>
               <a:t>Energy Consumption </a:t>
             </a:r>
-            <a:endParaRPr lang="zh-CN" altLang="en-US" sz="1600">
+            <a:endParaRPr lang="zh-CN" altLang="en-US" sz="1400">
+              <a:solidFill>
+                <a:schemeClr val="tx1"/>
+              </a:solidFill>
               <a:latin typeface="Arial" panose="020B0604020202020204" pitchFamily="34" charset="0"/>
+              <a:ea typeface="Meiryo" panose="020B0604030504040204" pitchFamily="34" charset="-128"/>
               <a:cs typeface="Arial" panose="020B0604020202020204" pitchFamily="34" charset="0"/>
             </a:endParaRPr>
           </a:p>
